--- a/Uke 5/Uke5-Presentasjon.pptx
+++ b/Uke 5/Uke5-Presentasjon.pptx
@@ -139,7 +139,7 @@
 <file path=ppt/revisionInfo.xml><?xml version="1.0" encoding="utf-8"?>
 <p1510:revInfo xmlns:a="http://schemas.openxmlformats.org/drawingml/2006/main" xmlns:r="http://schemas.openxmlformats.org/officeDocument/2006/relationships" xmlns:p1510="http://schemas.microsoft.com/office/powerpoint/2015/10/main">
   <p1510:revLst>
-    <p1510:client id="{1617E89F-D49F-43E8-8D39-B667441CA105}" v="97" dt="2020-01-29T16:30:34.610"/>
+    <p1510:client id="{1617E89F-D49F-43E8-8D39-B667441CA105}" v="108" dt="2020-01-29T18:24:07.831"/>
   </p1510:revLst>
 </p1510:revInfo>
 </file>
@@ -149,7 +149,7 @@
   <pc:docChgLst>
     <pc:chgData name="Aizan Magomadova" userId="b3d38ecc-02a7-4810-ad44-0e9f513517c5" providerId="ADAL" clId="{1617E89F-D49F-43E8-8D39-B667441CA105}"/>
     <pc:docChg chg="undo custSel addSld delSld modSld sldOrd">
-      <pc:chgData name="Aizan Magomadova" userId="b3d38ecc-02a7-4810-ad44-0e9f513517c5" providerId="ADAL" clId="{1617E89F-D49F-43E8-8D39-B667441CA105}" dt="2020-01-29T16:30:34.610" v="5543" actId="207"/>
+      <pc:chgData name="Aizan Magomadova" userId="b3d38ecc-02a7-4810-ad44-0e9f513517c5" providerId="ADAL" clId="{1617E89F-D49F-43E8-8D39-B667441CA105}" dt="2020-01-29T18:24:42.512" v="5634" actId="20577"/>
       <pc:docMkLst>
         <pc:docMk/>
       </pc:docMkLst>
@@ -184,13 +184,13 @@
         </pc:spChg>
       </pc:sldChg>
       <pc:sldChg chg="modSp">
-        <pc:chgData name="Aizan Magomadova" userId="b3d38ecc-02a7-4810-ad44-0e9f513517c5" providerId="ADAL" clId="{1617E89F-D49F-43E8-8D39-B667441CA105}" dt="2020-01-28T11:55:35.767" v="291" actId="20577"/>
+        <pc:chgData name="Aizan Magomadova" userId="b3d38ecc-02a7-4810-ad44-0e9f513517c5" providerId="ADAL" clId="{1617E89F-D49F-43E8-8D39-B667441CA105}" dt="2020-01-29T17:56:25.824" v="5550" actId="20577"/>
         <pc:sldMkLst>
           <pc:docMk/>
           <pc:sldMk cId="561034745" sldId="259"/>
         </pc:sldMkLst>
         <pc:spChg chg="mod">
-          <ac:chgData name="Aizan Magomadova" userId="b3d38ecc-02a7-4810-ad44-0e9f513517c5" providerId="ADAL" clId="{1617E89F-D49F-43E8-8D39-B667441CA105}" dt="2020-01-28T11:55:35.767" v="291" actId="20577"/>
+          <ac:chgData name="Aizan Magomadova" userId="b3d38ecc-02a7-4810-ad44-0e9f513517c5" providerId="ADAL" clId="{1617E89F-D49F-43E8-8D39-B667441CA105}" dt="2020-01-29T17:56:25.824" v="5550" actId="20577"/>
           <ac:spMkLst>
             <pc:docMk/>
             <pc:sldMk cId="561034745" sldId="259"/>
@@ -199,7 +199,7 @@
         </pc:spChg>
       </pc:sldChg>
       <pc:sldChg chg="modSp">
-        <pc:chgData name="Aizan Magomadova" userId="b3d38ecc-02a7-4810-ad44-0e9f513517c5" providerId="ADAL" clId="{1617E89F-D49F-43E8-8D39-B667441CA105}" dt="2020-01-28T11:57:37.800" v="357" actId="5793"/>
+        <pc:chgData name="Aizan Magomadova" userId="b3d38ecc-02a7-4810-ad44-0e9f513517c5" providerId="ADAL" clId="{1617E89F-D49F-43E8-8D39-B667441CA105}" dt="2020-01-29T17:57:22.792" v="5557" actId="207"/>
         <pc:sldMkLst>
           <pc:docMk/>
           <pc:sldMk cId="4084391251" sldId="260"/>
@@ -212,6 +212,14 @@
             <ac:spMk id="3" creationId="{F1BBDD8E-F560-41C9-A5E2-D4F41B9EC996}"/>
           </ac:spMkLst>
         </pc:spChg>
+        <pc:graphicFrameChg chg="modGraphic">
+          <ac:chgData name="Aizan Magomadova" userId="b3d38ecc-02a7-4810-ad44-0e9f513517c5" providerId="ADAL" clId="{1617E89F-D49F-43E8-8D39-B667441CA105}" dt="2020-01-29T17:57:22.792" v="5557" actId="207"/>
+          <ac:graphicFrameMkLst>
+            <pc:docMk/>
+            <pc:sldMk cId="4084391251" sldId="260"/>
+            <ac:graphicFrameMk id="4" creationId="{4BFCA89D-441D-4AC1-BED5-45E96B8E3267}"/>
+          </ac:graphicFrameMkLst>
+        </pc:graphicFrameChg>
       </pc:sldChg>
       <pc:sldChg chg="modSp">
         <pc:chgData name="Aizan Magomadova" userId="b3d38ecc-02a7-4810-ad44-0e9f513517c5" providerId="ADAL" clId="{1617E89F-D49F-43E8-8D39-B667441CA105}" dt="2020-01-28T11:56:03.219" v="315" actId="20577"/>
@@ -229,7 +237,7 @@
         </pc:spChg>
       </pc:sldChg>
       <pc:sldChg chg="modSp">
-        <pc:chgData name="Aizan Magomadova" userId="b3d38ecc-02a7-4810-ad44-0e9f513517c5" providerId="ADAL" clId="{1617E89F-D49F-43E8-8D39-B667441CA105}" dt="2020-01-28T11:57:57.508" v="358" actId="5793"/>
+        <pc:chgData name="Aizan Magomadova" userId="b3d38ecc-02a7-4810-ad44-0e9f513517c5" providerId="ADAL" clId="{1617E89F-D49F-43E8-8D39-B667441CA105}" dt="2020-01-29T18:00:37.323" v="5561" actId="207"/>
         <pc:sldMkLst>
           <pc:docMk/>
           <pc:sldMk cId="3137247197" sldId="263"/>
@@ -242,15 +250,23 @@
             <ac:spMk id="3" creationId="{30D97A58-1AE3-4217-8DB5-18F532A9B712}"/>
           </ac:spMkLst>
         </pc:spChg>
+        <pc:graphicFrameChg chg="mod modGraphic">
+          <ac:chgData name="Aizan Magomadova" userId="b3d38ecc-02a7-4810-ad44-0e9f513517c5" providerId="ADAL" clId="{1617E89F-D49F-43E8-8D39-B667441CA105}" dt="2020-01-29T18:00:37.323" v="5561" actId="207"/>
+          <ac:graphicFrameMkLst>
+            <pc:docMk/>
+            <pc:sldMk cId="3137247197" sldId="263"/>
+            <ac:graphicFrameMk id="4" creationId="{71B4F849-F65F-4F25-AD53-1B283C8AF7F9}"/>
+          </ac:graphicFrameMkLst>
+        </pc:graphicFrameChg>
       </pc:sldChg>
       <pc:sldChg chg="modSp">
-        <pc:chgData name="Aizan Magomadova" userId="b3d38ecc-02a7-4810-ad44-0e9f513517c5" providerId="ADAL" clId="{1617E89F-D49F-43E8-8D39-B667441CA105}" dt="2020-01-28T11:56:28.606" v="333" actId="20577"/>
+        <pc:chgData name="Aizan Magomadova" userId="b3d38ecc-02a7-4810-ad44-0e9f513517c5" providerId="ADAL" clId="{1617E89F-D49F-43E8-8D39-B667441CA105}" dt="2020-01-29T18:24:42.512" v="5634" actId="20577"/>
         <pc:sldMkLst>
           <pc:docMk/>
           <pc:sldMk cId="2638086693" sldId="264"/>
         </pc:sldMkLst>
         <pc:spChg chg="mod">
-          <ac:chgData name="Aizan Magomadova" userId="b3d38ecc-02a7-4810-ad44-0e9f513517c5" providerId="ADAL" clId="{1617E89F-D49F-43E8-8D39-B667441CA105}" dt="2020-01-28T11:56:28.606" v="333" actId="20577"/>
+          <ac:chgData name="Aizan Magomadova" userId="b3d38ecc-02a7-4810-ad44-0e9f513517c5" providerId="ADAL" clId="{1617E89F-D49F-43E8-8D39-B667441CA105}" dt="2020-01-29T18:24:42.512" v="5634" actId="20577"/>
           <ac:spMkLst>
             <pc:docMk/>
             <pc:sldMk cId="2638086693" sldId="264"/>
@@ -4113,19 +4129,26 @@
           <a:p>
             <a:r>
               <a:rPr lang="nb-NO" dirty="0">
-                <a:hlinkClick r:id="rId3"/>
+                <a:hlinkClick r:id="rId3" action="ppaction://hlinkfile"/>
               </a:rPr>
-              <a:t>Eksempel 5 Animere</a:t>
+              <a:t>Eksempel </a:t>
+            </a:r>
+            <a:r>
+              <a:rPr lang="nb-NO">
+                <a:hlinkClick r:id="rId3" action="ppaction://hlinkfile"/>
+              </a:rPr>
+              <a:t>5 Overgang </a:t>
+            </a:r>
+            <a:r>
+              <a:rPr lang="nb-NO" dirty="0">
+                <a:hlinkClick r:id="rId3" action="ppaction://hlinkfile"/>
+              </a:rPr>
+              <a:t>med en gjennomsiktighet</a:t>
             </a:r>
             <a:r>
               <a:rPr lang="nb-NO" dirty="0"/>
-              <a:t> en CSS Transform med CSS </a:t>
-            </a:r>
-            <a:r>
-              <a:rPr lang="nb-NO" dirty="0" err="1"/>
-              <a:t>Transitions</a:t>
-            </a:r>
-            <a:endParaRPr lang="nb-NO" dirty="0"/>
+              <a:t>.</a:t>
+            </a:r>
           </a:p>
         </p:txBody>
       </p:sp>
@@ -9158,28 +9181,70 @@
             <a:pPr marL="0" indent="0">
               <a:buNone/>
             </a:pPr>
-            <a:r>
-              <a:rPr lang="nb-NO" dirty="0" err="1"/>
-              <a:t>Transition</a:t>
-            </a:r>
-            <a:r>
-              <a:rPr lang="nb-NO" dirty="0"/>
+            <a:endParaRPr lang="nb-NO" dirty="0"/>
+          </a:p>
+          <a:p>
+            <a:pPr marL="0" indent="0">
+              <a:buNone/>
+            </a:pPr>
+            <a:r>
+              <a:rPr lang="nb-NO" dirty="0" err="1">
+                <a:solidFill>
+                  <a:schemeClr val="accent1">
+                    <a:lumMod val="75000"/>
+                  </a:schemeClr>
+                </a:solidFill>
+              </a:rPr>
+              <a:t>transition</a:t>
+            </a:r>
+            <a:r>
+              <a:rPr lang="nb-NO" dirty="0">
+                <a:solidFill>
+                  <a:schemeClr val="accent1">
+                    <a:lumMod val="75000"/>
+                  </a:schemeClr>
+                </a:solidFill>
+              </a:rPr>
               <a:t>: </a:t>
             </a:r>
             <a:r>
-              <a:rPr lang="nb-NO" dirty="0" err="1"/>
+              <a:rPr lang="nb-NO" dirty="0" err="1">
+                <a:solidFill>
+                  <a:schemeClr val="accent1">
+                    <a:lumMod val="75000"/>
+                  </a:schemeClr>
+                </a:solidFill>
+              </a:rPr>
               <a:t>width</a:t>
             </a:r>
             <a:r>
-              <a:rPr lang="nb-NO" dirty="0"/>
+              <a:rPr lang="nb-NO" dirty="0">
+                <a:solidFill>
+                  <a:schemeClr val="accent1">
+                    <a:lumMod val="75000"/>
+                  </a:schemeClr>
+                </a:solidFill>
+              </a:rPr>
               <a:t> 1s 2s </a:t>
             </a:r>
             <a:r>
-              <a:rPr lang="nb-NO" dirty="0" err="1"/>
+              <a:rPr lang="nb-NO" dirty="0" err="1">
+                <a:solidFill>
+                  <a:schemeClr val="accent1">
+                    <a:lumMod val="75000"/>
+                  </a:schemeClr>
+                </a:solidFill>
+              </a:rPr>
               <a:t>ease</a:t>
             </a:r>
             <a:r>
-              <a:rPr lang="nb-NO" dirty="0"/>
+              <a:rPr lang="nb-NO" dirty="0">
+                <a:solidFill>
+                  <a:schemeClr val="accent1">
+                    <a:lumMod val="75000"/>
+                  </a:schemeClr>
+                </a:solidFill>
+              </a:rPr>
               <a:t>-in;</a:t>
             </a:r>
           </a:p>
@@ -9295,7 +9360,7 @@
           <p:nvPr>
             <p:extLst>
               <p:ext uri="{D42A27DB-BD31-4B8C-83A1-F6EECF244321}">
-                <p14:modId xmlns:p14="http://schemas.microsoft.com/office/powerpoint/2010/main" val="4005273297"/>
+                <p14:modId xmlns:p14="http://schemas.microsoft.com/office/powerpoint/2010/main" val="646459514"/>
               </p:ext>
             </p:extLst>
           </p:nvPr>
@@ -9379,10 +9444,22 @@
                     <a:lstStyle/>
                     <a:p>
                       <a:r>
-                        <a:rPr lang="nb-NO" dirty="0" err="1"/>
-                        <a:t>Element:hover</a:t>
-                      </a:r>
-                      <a:endParaRPr lang="nb-NO" dirty="0"/>
+                        <a:rPr lang="nb-NO" dirty="0" err="1">
+                          <a:solidFill>
+                            <a:schemeClr val="accent1">
+                              <a:lumMod val="75000"/>
+                            </a:schemeClr>
+                          </a:solidFill>
+                        </a:rPr>
+                        <a:t>element:hover</a:t>
+                      </a:r>
+                      <a:endParaRPr lang="nb-NO" dirty="0">
+                        <a:solidFill>
+                          <a:schemeClr val="accent1">
+                            <a:lumMod val="75000"/>
+                          </a:schemeClr>
+                        </a:solidFill>
+                      </a:endParaRPr>
                     </a:p>
                   </a:txBody>
                   <a:tcPr/>
@@ -9413,10 +9490,22 @@
                     <a:lstStyle/>
                     <a:p>
                       <a:r>
-                        <a:rPr lang="nb-NO" dirty="0" err="1"/>
-                        <a:t>Element:focus</a:t>
-                      </a:r>
-                      <a:endParaRPr lang="nb-NO" dirty="0"/>
+                        <a:rPr lang="nb-NO" dirty="0" err="1">
+                          <a:solidFill>
+                            <a:schemeClr val="accent1">
+                              <a:lumMod val="75000"/>
+                            </a:schemeClr>
+                          </a:solidFill>
+                        </a:rPr>
+                        <a:t>element:focus</a:t>
+                      </a:r>
+                      <a:endParaRPr lang="nb-NO" dirty="0">
+                        <a:solidFill>
+                          <a:schemeClr val="accent1">
+                            <a:lumMod val="75000"/>
+                          </a:schemeClr>
+                        </a:solidFill>
+                      </a:endParaRPr>
                     </a:p>
                   </a:txBody>
                   <a:tcPr/>
@@ -9447,10 +9536,22 @@
                     <a:lstStyle/>
                     <a:p>
                       <a:r>
-                        <a:rPr lang="nb-NO" dirty="0" err="1"/>
-                        <a:t>Element:active</a:t>
-                      </a:r>
-                      <a:endParaRPr lang="nb-NO" dirty="0"/>
+                        <a:rPr lang="nb-NO" dirty="0" err="1">
+                          <a:solidFill>
+                            <a:schemeClr val="accent1">
+                              <a:lumMod val="75000"/>
+                            </a:schemeClr>
+                          </a:solidFill>
+                        </a:rPr>
+                        <a:t>element:active</a:t>
+                      </a:r>
+                      <a:endParaRPr lang="nb-NO" dirty="0">
+                        <a:solidFill>
+                          <a:schemeClr val="accent1">
+                            <a:lumMod val="75000"/>
+                          </a:schemeClr>
+                        </a:solidFill>
+                      </a:endParaRPr>
                     </a:p>
                   </a:txBody>
                   <a:tcPr/>
@@ -10026,7 +10127,7 @@
           <p:nvPr>
             <p:extLst>
               <p:ext uri="{D42A27DB-BD31-4B8C-83A1-F6EECF244321}">
-                <p14:modId xmlns:p14="http://schemas.microsoft.com/office/powerpoint/2010/main" val="565229057"/>
+                <p14:modId xmlns:p14="http://schemas.microsoft.com/office/powerpoint/2010/main" val="4053320948"/>
               </p:ext>
             </p:extLst>
           </p:nvPr>
@@ -10102,11 +10203,23 @@
                     <a:lstStyle/>
                     <a:p>
                       <a:r>
-                        <a:rPr lang="nb-NO" dirty="0" err="1"/>
+                        <a:rPr lang="nb-NO" dirty="0" err="1">
+                          <a:solidFill>
+                            <a:schemeClr val="accent1">
+                              <a:lumMod val="75000"/>
+                            </a:schemeClr>
+                          </a:solidFill>
+                        </a:rPr>
                         <a:t>scale</a:t>
                       </a:r>
                       <a:r>
-                        <a:rPr lang="nb-NO" dirty="0"/>
+                        <a:rPr lang="nb-NO" dirty="0">
+                          <a:solidFill>
+                            <a:schemeClr val="accent1">
+                              <a:lumMod val="75000"/>
+                            </a:schemeClr>
+                          </a:solidFill>
+                        </a:rPr>
                         <a:t>(2)</a:t>
                       </a:r>
                     </a:p>
@@ -10139,11 +10252,23 @@
                     <a:lstStyle/>
                     <a:p>
                       <a:r>
-                        <a:rPr lang="nb-NO" dirty="0" err="1"/>
+                        <a:rPr lang="nb-NO" dirty="0" err="1">
+                          <a:solidFill>
+                            <a:schemeClr val="accent1">
+                              <a:lumMod val="75000"/>
+                            </a:schemeClr>
+                          </a:solidFill>
+                        </a:rPr>
                         <a:t>scaleX</a:t>
                       </a:r>
                       <a:r>
-                        <a:rPr lang="nb-NO" dirty="0"/>
+                        <a:rPr lang="nb-NO" dirty="0">
+                          <a:solidFill>
+                            <a:schemeClr val="accent1">
+                              <a:lumMod val="75000"/>
+                            </a:schemeClr>
+                          </a:solidFill>
+                        </a:rPr>
                         <a:t>(0.5)</a:t>
                       </a:r>
                     </a:p>
@@ -10176,11 +10301,23 @@
                     <a:lstStyle/>
                     <a:p>
                       <a:r>
-                        <a:rPr lang="nb-NO" dirty="0" err="1"/>
+                        <a:rPr lang="nb-NO" dirty="0" err="1">
+                          <a:solidFill>
+                            <a:schemeClr val="accent1">
+                              <a:lumMod val="75000"/>
+                            </a:schemeClr>
+                          </a:solidFill>
+                        </a:rPr>
                         <a:t>rotate</a:t>
                       </a:r>
                       <a:r>
-                        <a:rPr lang="nb-NO" dirty="0"/>
+                        <a:rPr lang="nb-NO" dirty="0">
+                          <a:solidFill>
+                            <a:schemeClr val="accent1">
+                              <a:lumMod val="75000"/>
+                            </a:schemeClr>
+                          </a:solidFill>
+                        </a:rPr>
                         <a:t>(45deg)</a:t>
                       </a:r>
                     </a:p>
@@ -10213,7 +10350,13 @@
                     <a:lstStyle/>
                     <a:p>
                       <a:r>
-                        <a:rPr lang="nb-NO" dirty="0"/>
+                        <a:rPr lang="nb-NO" dirty="0">
+                          <a:solidFill>
+                            <a:schemeClr val="accent1">
+                              <a:lumMod val="75000"/>
+                            </a:schemeClr>
+                          </a:solidFill>
+                        </a:rPr>
                         <a:t>translate(30px, 50px)</a:t>
                       </a:r>
                     </a:p>
@@ -10254,11 +10397,23 @@
                     <a:lstStyle/>
                     <a:p>
                       <a:r>
-                        <a:rPr lang="nb-NO" dirty="0" err="1"/>
+                        <a:rPr lang="nb-NO" dirty="0" err="1">
+                          <a:solidFill>
+                            <a:schemeClr val="accent1">
+                              <a:lumMod val="75000"/>
+                            </a:schemeClr>
+                          </a:solidFill>
+                        </a:rPr>
                         <a:t>skewX</a:t>
                       </a:r>
                       <a:r>
-                        <a:rPr lang="nb-NO" dirty="0"/>
+                        <a:rPr lang="nb-NO" dirty="0">
+                          <a:solidFill>
+                            <a:schemeClr val="accent1">
+                              <a:lumMod val="75000"/>
+                            </a:schemeClr>
+                          </a:solidFill>
+                        </a:rPr>
                         <a:t>(20deg)</a:t>
                       </a:r>
                     </a:p>
@@ -10974,18 +11129,18 @@
 </file>
 
 <file path=customXml/item1.xml><?xml version="1.0" encoding="utf-8"?>
-<p:properties xmlns:p="http://schemas.microsoft.com/office/2006/metadata/properties" xmlns:xsi="http://www.w3.org/2001/XMLSchema-instance" xmlns:pc="http://schemas.microsoft.com/office/infopath/2007/PartnerControls">
-  <documentManagement/>
-</p:properties>
-</file>
-
-<file path=customXml/item2.xml><?xml version="1.0" encoding="utf-8"?>
 <?mso-contentType ?>
 <FormTemplates xmlns="http://schemas.microsoft.com/sharepoint/v3/contenttype/forms">
   <Display>DocumentLibraryForm</Display>
   <Edit>DocumentLibraryForm</Edit>
   <New>DocumentLibraryForm</New>
 </FormTemplates>
+</file>
+
+<file path=customXml/item2.xml><?xml version="1.0" encoding="utf-8"?>
+<p:properties xmlns:p="http://schemas.microsoft.com/office/2006/metadata/properties" xmlns:xsi="http://www.w3.org/2001/XMLSchema-instance" xmlns:pc="http://schemas.microsoft.com/office/infopath/2007/PartnerControls">
+  <documentManagement/>
+</p:properties>
 </file>
 
 <file path=customXml/item3.xml><?xml version="1.0" encoding="utf-8"?>
@@ -11159,18 +11314,18 @@
 </file>
 
 <file path=customXml/itemProps1.xml><?xml version="1.0" encoding="utf-8"?>
-<ds:datastoreItem xmlns:ds="http://schemas.openxmlformats.org/officeDocument/2006/customXml" ds:itemID="{AC1B37F0-027E-44D2-BE3E-5562385FFADC}">
+<ds:datastoreItem xmlns:ds="http://schemas.openxmlformats.org/officeDocument/2006/customXml" ds:itemID="{2A9522E5-0C58-46F4-9625-D3BB5CE642A4}">
   <ds:schemaRefs>
-    <ds:schemaRef ds:uri="http://schemas.microsoft.com/office/2006/metadata/properties"/>
-    <ds:schemaRef ds:uri="http://schemas.microsoft.com/office/infopath/2007/PartnerControls"/>
+    <ds:schemaRef ds:uri="http://schemas.microsoft.com/sharepoint/v3/contenttype/forms"/>
   </ds:schemaRefs>
 </ds:datastoreItem>
 </file>
 
 <file path=customXml/itemProps2.xml><?xml version="1.0" encoding="utf-8"?>
-<ds:datastoreItem xmlns:ds="http://schemas.openxmlformats.org/officeDocument/2006/customXml" ds:itemID="{2A9522E5-0C58-46F4-9625-D3BB5CE642A4}">
+<ds:datastoreItem xmlns:ds="http://schemas.openxmlformats.org/officeDocument/2006/customXml" ds:itemID="{AC1B37F0-027E-44D2-BE3E-5562385FFADC}">
   <ds:schemaRefs>
-    <ds:schemaRef ds:uri="http://schemas.microsoft.com/sharepoint/v3/contenttype/forms"/>
+    <ds:schemaRef ds:uri="http://schemas.microsoft.com/office/2006/metadata/properties"/>
+    <ds:schemaRef ds:uri="http://schemas.microsoft.com/office/infopath/2007/PartnerControls"/>
   </ds:schemaRefs>
 </ds:datastoreItem>
 </file>

--- a/Uke 5/Uke5-Presentasjon.pptx
+++ b/Uke 5/Uke5-Presentasjon.pptx
@@ -29,7 +29,9 @@
     <p:sldId id="278" r:id="rId26"/>
     <p:sldId id="279" r:id="rId27"/>
     <p:sldId id="280" r:id="rId28"/>
-    <p:sldId id="272" r:id="rId29"/>
+    <p:sldId id="281" r:id="rId29"/>
+    <p:sldId id="282" r:id="rId30"/>
+    <p:sldId id="272" r:id="rId31"/>
   </p:sldIdLst>
   <p:sldSz cx="12192000" cy="6858000"/>
   <p:notesSz cx="6858000" cy="9144000"/>
@@ -139,7 +141,7 @@
 <file path=ppt/revisionInfo.xml><?xml version="1.0" encoding="utf-8"?>
 <p1510:revInfo xmlns:a="http://schemas.openxmlformats.org/drawingml/2006/main" xmlns:r="http://schemas.openxmlformats.org/officeDocument/2006/relationships" xmlns:p1510="http://schemas.microsoft.com/office/powerpoint/2015/10/main">
   <p1510:revLst>
-    <p1510:client id="{1617E89F-D49F-43E8-8D39-B667441CA105}" v="108" dt="2020-01-29T18:24:07.831"/>
+    <p1510:client id="{1617E89F-D49F-43E8-8D39-B667441CA105}" v="292" dt="2020-01-29T20:34:35.706"/>
   </p1510:revLst>
 </p1510:revInfo>
 </file>
@@ -149,7 +151,7 @@
   <pc:docChgLst>
     <pc:chgData name="Aizan Magomadova" userId="b3d38ecc-02a7-4810-ad44-0e9f513517c5" providerId="ADAL" clId="{1617E89F-D49F-43E8-8D39-B667441CA105}"/>
     <pc:docChg chg="undo custSel addSld delSld modSld sldOrd">
-      <pc:chgData name="Aizan Magomadova" userId="b3d38ecc-02a7-4810-ad44-0e9f513517c5" providerId="ADAL" clId="{1617E89F-D49F-43E8-8D39-B667441CA105}" dt="2020-01-29T18:24:42.512" v="5634" actId="20577"/>
+      <pc:chgData name="Aizan Magomadova" userId="b3d38ecc-02a7-4810-ad44-0e9f513517c5" providerId="ADAL" clId="{1617E89F-D49F-43E8-8D39-B667441CA105}" dt="2020-01-29T20:34:35.706" v="6181" actId="20577"/>
       <pc:docMkLst>
         <pc:docMk/>
       </pc:docMkLst>
@@ -730,6 +732,29 @@
           </ac:spMkLst>
         </pc:spChg>
       </pc:sldChg>
+      <pc:sldChg chg="modSp add modAnim">
+        <pc:chgData name="Aizan Magomadova" userId="b3d38ecc-02a7-4810-ad44-0e9f513517c5" providerId="ADAL" clId="{1617E89F-D49F-43E8-8D39-B667441CA105}" dt="2020-01-29T20:34:35.706" v="6181" actId="20577"/>
+        <pc:sldMkLst>
+          <pc:docMk/>
+          <pc:sldMk cId="341094750" sldId="281"/>
+        </pc:sldMkLst>
+        <pc:spChg chg="mod">
+          <ac:chgData name="Aizan Magomadova" userId="b3d38ecc-02a7-4810-ad44-0e9f513517c5" providerId="ADAL" clId="{1617E89F-D49F-43E8-8D39-B667441CA105}" dt="2020-01-29T19:47:45.130" v="5662" actId="20577"/>
+          <ac:spMkLst>
+            <pc:docMk/>
+            <pc:sldMk cId="341094750" sldId="281"/>
+            <ac:spMk id="2" creationId="{5F1A10AD-6ED5-4561-8909-6558F4AB78B8}"/>
+          </ac:spMkLst>
+        </pc:spChg>
+        <pc:spChg chg="mod">
+          <ac:chgData name="Aizan Magomadova" userId="b3d38ecc-02a7-4810-ad44-0e9f513517c5" providerId="ADAL" clId="{1617E89F-D49F-43E8-8D39-B667441CA105}" dt="2020-01-29T20:34:35.706" v="6181" actId="20577"/>
+          <ac:spMkLst>
+            <pc:docMk/>
+            <pc:sldMk cId="341094750" sldId="281"/>
+            <ac:spMk id="3" creationId="{E69FC7E3-86C8-4460-9D1C-B9029444B4BC}"/>
+          </ac:spMkLst>
+        </pc:spChg>
+      </pc:sldChg>
       <pc:sldChg chg="modSp add del">
         <pc:chgData name="Aizan Magomadova" userId="b3d38ecc-02a7-4810-ad44-0e9f513517c5" providerId="ADAL" clId="{1617E89F-D49F-43E8-8D39-B667441CA105}" dt="2020-01-29T12:15:00.048" v="5522" actId="2696"/>
         <pc:sldMkLst>
@@ -742,6 +767,29 @@
             <pc:docMk/>
             <pc:sldMk cId="4025117181" sldId="281"/>
             <ac:spMk id="2" creationId="{D652BA00-A172-4ED5-9CFB-6CD90316DDFB}"/>
+          </ac:spMkLst>
+        </pc:spChg>
+      </pc:sldChg>
+      <pc:sldChg chg="modSp add">
+        <pc:chgData name="Aizan Magomadova" userId="b3d38ecc-02a7-4810-ad44-0e9f513517c5" providerId="ADAL" clId="{1617E89F-D49F-43E8-8D39-B667441CA105}" dt="2020-01-29T20:11:44.591" v="6179" actId="207"/>
+        <pc:sldMkLst>
+          <pc:docMk/>
+          <pc:sldMk cId="306908594" sldId="282"/>
+        </pc:sldMkLst>
+        <pc:spChg chg="mod">
+          <ac:chgData name="Aizan Magomadova" userId="b3d38ecc-02a7-4810-ad44-0e9f513517c5" providerId="ADAL" clId="{1617E89F-D49F-43E8-8D39-B667441CA105}" dt="2020-01-29T19:59:55.966" v="6158" actId="20577"/>
+          <ac:spMkLst>
+            <pc:docMk/>
+            <pc:sldMk cId="306908594" sldId="282"/>
+            <ac:spMk id="2" creationId="{25F25625-BB41-48A4-A9FB-7A60B5A33684}"/>
+          </ac:spMkLst>
+        </pc:spChg>
+        <pc:spChg chg="mod">
+          <ac:chgData name="Aizan Magomadova" userId="b3d38ecc-02a7-4810-ad44-0e9f513517c5" providerId="ADAL" clId="{1617E89F-D49F-43E8-8D39-B667441CA105}" dt="2020-01-29T20:11:44.591" v="6179" actId="207"/>
+          <ac:spMkLst>
+            <pc:docMk/>
+            <pc:sldMk cId="306908594" sldId="282"/>
+            <ac:spMk id="3" creationId="{C2B53746-B3C6-4DC3-A05F-C5D0DCC9E039}"/>
           </ac:spMkLst>
         </pc:spChg>
       </pc:sldChg>
@@ -8493,6 +8541,640 @@
           <p:cNvPr id="2" name="Tittel 1">
             <a:extLst>
               <a:ext uri="{FF2B5EF4-FFF2-40B4-BE49-F238E27FC236}">
+                <a16:creationId xmlns:a16="http://schemas.microsoft.com/office/drawing/2014/main" id="{5F1A10AD-6ED5-4561-8909-6558F4AB78B8}"/>
+              </a:ext>
+            </a:extLst>
+          </p:cNvPr>
+          <p:cNvSpPr>
+            <a:spLocks noGrp="1"/>
+          </p:cNvSpPr>
+          <p:nvPr>
+            <p:ph type="title"/>
+          </p:nvPr>
+        </p:nvSpPr>
+        <p:spPr/>
+        <p:txBody>
+          <a:bodyPr/>
+          <a:lstStyle/>
+          <a:p>
+            <a:r>
+              <a:rPr lang="nb-NO" dirty="0" err="1"/>
+              <a:t>requestAnimationFrame</a:t>
+            </a:r>
+            <a:r>
+              <a:rPr lang="nb-NO" dirty="0"/>
+              <a:t>()</a:t>
+            </a:r>
+          </a:p>
+        </p:txBody>
+      </p:sp>
+      <p:sp>
+        <p:nvSpPr>
+          <p:cNvPr id="3" name="Plassholder for innhold 2">
+            <a:extLst>
+              <a:ext uri="{FF2B5EF4-FFF2-40B4-BE49-F238E27FC236}">
+                <a16:creationId xmlns:a16="http://schemas.microsoft.com/office/drawing/2014/main" id="{E69FC7E3-86C8-4460-9D1C-B9029444B4BC}"/>
+              </a:ext>
+            </a:extLst>
+          </p:cNvPr>
+          <p:cNvSpPr>
+            <a:spLocks noGrp="1"/>
+          </p:cNvSpPr>
+          <p:nvPr>
+            <p:ph idx="1"/>
+          </p:nvPr>
+        </p:nvSpPr>
+        <p:spPr/>
+        <p:txBody>
+          <a:bodyPr>
+            <a:normAutofit/>
+          </a:bodyPr>
+          <a:lstStyle/>
+          <a:p>
+            <a:r>
+              <a:rPr lang="nb-NO" dirty="0"/>
+              <a:t>Metoden ber nettleseren om å lage en ny animasjonsrute, altså en oppdatering slik at animasjonen tegnes opp omtrent 60 ganger i sekundet. Animasjonen avbrytes ved </a:t>
+            </a:r>
+            <a:r>
+              <a:rPr lang="nb-NO" dirty="0" err="1">
+                <a:solidFill>
+                  <a:srgbClr val="0070C0"/>
+                </a:solidFill>
+              </a:rPr>
+              <a:t>cancelAnimationFrame</a:t>
+            </a:r>
+            <a:r>
+              <a:rPr lang="nb-NO" dirty="0">
+                <a:solidFill>
+                  <a:srgbClr val="0070C0"/>
+                </a:solidFill>
+              </a:rPr>
+              <a:t>();</a:t>
+            </a:r>
+          </a:p>
+          <a:p>
+            <a:r>
+              <a:rPr lang="nb-NO" dirty="0"/>
+              <a:t>Vi lager en funksjon som gjør alle oppgavene vi ønsker å gjenta:</a:t>
+            </a:r>
+          </a:p>
+          <a:p>
+            <a:pPr marL="0" indent="0">
+              <a:buNone/>
+            </a:pPr>
+            <a:r>
+              <a:rPr lang="nb-NO" dirty="0">
+                <a:solidFill>
+                  <a:srgbClr val="0070C0"/>
+                </a:solidFill>
+              </a:rPr>
+              <a:t>	</a:t>
+            </a:r>
+            <a:r>
+              <a:rPr lang="nb-NO" dirty="0" err="1">
+                <a:solidFill>
+                  <a:srgbClr val="0070C0"/>
+                </a:solidFill>
+              </a:rPr>
+              <a:t>function</a:t>
+            </a:r>
+            <a:r>
+              <a:rPr lang="nb-NO" dirty="0">
+                <a:solidFill>
+                  <a:srgbClr val="0070C0"/>
+                </a:solidFill>
+              </a:rPr>
+              <a:t> animer (){</a:t>
+            </a:r>
+          </a:p>
+          <a:p>
+            <a:pPr marL="0" indent="0">
+              <a:buNone/>
+            </a:pPr>
+            <a:r>
+              <a:rPr lang="nb-NO" dirty="0">
+                <a:solidFill>
+                  <a:srgbClr val="0070C0"/>
+                </a:solidFill>
+              </a:rPr>
+              <a:t>		</a:t>
+            </a:r>
+            <a:r>
+              <a:rPr lang="nb-NO" dirty="0">
+                <a:solidFill>
+                  <a:srgbClr val="FF0000"/>
+                </a:solidFill>
+              </a:rPr>
+              <a:t>/*koden som flytter på ting og tegner dem*/</a:t>
+            </a:r>
+          </a:p>
+          <a:p>
+            <a:pPr marL="0" indent="0">
+              <a:buNone/>
+            </a:pPr>
+            <a:r>
+              <a:rPr lang="nb-NO" dirty="0">
+                <a:solidFill>
+                  <a:srgbClr val="0070C0"/>
+                </a:solidFill>
+              </a:rPr>
+              <a:t>		</a:t>
+            </a:r>
+            <a:r>
+              <a:rPr lang="nb-NO" dirty="0" err="1">
+                <a:solidFill>
+                  <a:srgbClr val="0070C0"/>
+                </a:solidFill>
+              </a:rPr>
+              <a:t>requestAnimationFrame</a:t>
+            </a:r>
+            <a:r>
+              <a:rPr lang="nb-NO" dirty="0">
+                <a:solidFill>
+                  <a:srgbClr val="0070C0"/>
+                </a:solidFill>
+              </a:rPr>
+              <a:t>(animer);</a:t>
+            </a:r>
+          </a:p>
+          <a:p>
+            <a:pPr marL="0" indent="0">
+              <a:buNone/>
+            </a:pPr>
+            <a:r>
+              <a:rPr lang="nb-NO" dirty="0">
+                <a:solidFill>
+                  <a:srgbClr val="0070C0"/>
+                </a:solidFill>
+              </a:rPr>
+              <a:t>	}</a:t>
+            </a:r>
+          </a:p>
+          <a:p>
+            <a:pPr marL="0" indent="0">
+              <a:buNone/>
+            </a:pPr>
+            <a:r>
+              <a:rPr lang="nb-NO" dirty="0">
+                <a:solidFill>
+                  <a:srgbClr val="0070C0"/>
+                </a:solidFill>
+              </a:rPr>
+              <a:t>	</a:t>
+            </a:r>
+            <a:r>
+              <a:rPr lang="nb-NO" dirty="0" err="1">
+                <a:solidFill>
+                  <a:srgbClr val="0070C0"/>
+                </a:solidFill>
+              </a:rPr>
+              <a:t>requestAnimationFrame</a:t>
+            </a:r>
+            <a:r>
+              <a:rPr lang="nb-NO" dirty="0">
+                <a:solidFill>
+                  <a:srgbClr val="0070C0"/>
+                </a:solidFill>
+              </a:rPr>
+              <a:t>(animer);</a:t>
+            </a:r>
+            <a:r>
+              <a:rPr lang="nb-NO" sz="2000" dirty="0">
+                <a:solidFill>
+                  <a:srgbClr val="FF0000"/>
+                </a:solidFill>
+              </a:rPr>
+              <a:t>/*funksjonen gjentar seg selv i uendelige</a:t>
+            </a:r>
+          </a:p>
+          <a:p>
+            <a:pPr marL="0" indent="0">
+              <a:buNone/>
+            </a:pPr>
+            <a:endParaRPr lang="nb-NO" dirty="0"/>
+          </a:p>
+        </p:txBody>
+      </p:sp>
+    </p:spTree>
+    <p:extLst>
+      <p:ext uri="{BB962C8B-B14F-4D97-AF65-F5344CB8AC3E}">
+        <p14:creationId xmlns:p14="http://schemas.microsoft.com/office/powerpoint/2010/main" val="341094750"/>
+      </p:ext>
+    </p:extLst>
+  </p:cSld>
+  <p:clrMapOvr>
+    <a:masterClrMapping/>
+  </p:clrMapOvr>
+  <p:timing>
+    <p:tnLst>
+      <p:par>
+        <p:cTn id="1" dur="indefinite" restart="never" nodeType="tmRoot">
+          <p:childTnLst>
+            <p:seq concurrent="1" nextAc="seek">
+              <p:cTn id="2" dur="indefinite" nodeType="mainSeq">
+                <p:childTnLst>
+                  <p:par>
+                    <p:cTn id="3" fill="hold">
+                      <p:stCondLst>
+                        <p:cond delay="indefinite"/>
+                      </p:stCondLst>
+                      <p:childTnLst>
+                        <p:par>
+                          <p:cTn id="4" fill="hold">
+                            <p:stCondLst>
+                              <p:cond delay="0"/>
+                            </p:stCondLst>
+                            <p:childTnLst>
+                              <p:par>
+                                <p:cTn id="5" presetID="1" presetClass="entr" presetSubtype="0" fill="hold" nodeType="clickEffect">
+                                  <p:stCondLst>
+                                    <p:cond delay="0"/>
+                                  </p:stCondLst>
+                                  <p:childTnLst>
+                                    <p:set>
+                                      <p:cBhvr>
+                                        <p:cTn id="6" dur="1" fill="hold">
+                                          <p:stCondLst>
+                                            <p:cond delay="0"/>
+                                          </p:stCondLst>
+                                        </p:cTn>
+                                        <p:tgtEl>
+                                          <p:spTgt spid="3">
+                                            <p:txEl>
+                                              <p:pRg st="0" end="0"/>
+                                            </p:txEl>
+                                          </p:spTgt>
+                                        </p:tgtEl>
+                                        <p:attrNameLst>
+                                          <p:attrName>style.visibility</p:attrName>
+                                        </p:attrNameLst>
+                                      </p:cBhvr>
+                                      <p:to>
+                                        <p:strVal val="visible"/>
+                                      </p:to>
+                                    </p:set>
+                                  </p:childTnLst>
+                                </p:cTn>
+                              </p:par>
+                            </p:childTnLst>
+                          </p:cTn>
+                        </p:par>
+                      </p:childTnLst>
+                    </p:cTn>
+                  </p:par>
+                  <p:par>
+                    <p:cTn id="7" fill="hold">
+                      <p:stCondLst>
+                        <p:cond delay="indefinite"/>
+                      </p:stCondLst>
+                      <p:childTnLst>
+                        <p:par>
+                          <p:cTn id="8" fill="hold">
+                            <p:stCondLst>
+                              <p:cond delay="0"/>
+                            </p:stCondLst>
+                            <p:childTnLst>
+                              <p:par>
+                                <p:cTn id="9" presetID="1" presetClass="entr" presetSubtype="0" fill="hold" nodeType="clickEffect">
+                                  <p:stCondLst>
+                                    <p:cond delay="0"/>
+                                  </p:stCondLst>
+                                  <p:childTnLst>
+                                    <p:set>
+                                      <p:cBhvr>
+                                        <p:cTn id="10" dur="1" fill="hold">
+                                          <p:stCondLst>
+                                            <p:cond delay="0"/>
+                                          </p:stCondLst>
+                                        </p:cTn>
+                                        <p:tgtEl>
+                                          <p:spTgt spid="3">
+                                            <p:txEl>
+                                              <p:pRg st="1" end="1"/>
+                                            </p:txEl>
+                                          </p:spTgt>
+                                        </p:tgtEl>
+                                        <p:attrNameLst>
+                                          <p:attrName>style.visibility</p:attrName>
+                                        </p:attrNameLst>
+                                      </p:cBhvr>
+                                      <p:to>
+                                        <p:strVal val="visible"/>
+                                      </p:to>
+                                    </p:set>
+                                  </p:childTnLst>
+                                </p:cTn>
+                              </p:par>
+                              <p:par>
+                                <p:cTn id="11" presetID="1" presetClass="entr" presetSubtype="0" fill="hold" nodeType="withEffect">
+                                  <p:stCondLst>
+                                    <p:cond delay="0"/>
+                                  </p:stCondLst>
+                                  <p:childTnLst>
+                                    <p:set>
+                                      <p:cBhvr>
+                                        <p:cTn id="12" dur="1" fill="hold">
+                                          <p:stCondLst>
+                                            <p:cond delay="0"/>
+                                          </p:stCondLst>
+                                        </p:cTn>
+                                        <p:tgtEl>
+                                          <p:spTgt spid="3">
+                                            <p:txEl>
+                                              <p:pRg st="2" end="2"/>
+                                            </p:txEl>
+                                          </p:spTgt>
+                                        </p:tgtEl>
+                                        <p:attrNameLst>
+                                          <p:attrName>style.visibility</p:attrName>
+                                        </p:attrNameLst>
+                                      </p:cBhvr>
+                                      <p:to>
+                                        <p:strVal val="visible"/>
+                                      </p:to>
+                                    </p:set>
+                                  </p:childTnLst>
+                                </p:cTn>
+                              </p:par>
+                              <p:par>
+                                <p:cTn id="13" presetID="1" presetClass="entr" presetSubtype="0" fill="hold" nodeType="withEffect">
+                                  <p:stCondLst>
+                                    <p:cond delay="0"/>
+                                  </p:stCondLst>
+                                  <p:childTnLst>
+                                    <p:set>
+                                      <p:cBhvr>
+                                        <p:cTn id="14" dur="1" fill="hold">
+                                          <p:stCondLst>
+                                            <p:cond delay="0"/>
+                                          </p:stCondLst>
+                                        </p:cTn>
+                                        <p:tgtEl>
+                                          <p:spTgt spid="3">
+                                            <p:txEl>
+                                              <p:pRg st="3" end="3"/>
+                                            </p:txEl>
+                                          </p:spTgt>
+                                        </p:tgtEl>
+                                        <p:attrNameLst>
+                                          <p:attrName>style.visibility</p:attrName>
+                                        </p:attrNameLst>
+                                      </p:cBhvr>
+                                      <p:to>
+                                        <p:strVal val="visible"/>
+                                      </p:to>
+                                    </p:set>
+                                  </p:childTnLst>
+                                </p:cTn>
+                              </p:par>
+                              <p:par>
+                                <p:cTn id="15" presetID="1" presetClass="entr" presetSubtype="0" fill="hold" nodeType="withEffect">
+                                  <p:stCondLst>
+                                    <p:cond delay="0"/>
+                                  </p:stCondLst>
+                                  <p:childTnLst>
+                                    <p:set>
+                                      <p:cBhvr>
+                                        <p:cTn id="16" dur="1" fill="hold">
+                                          <p:stCondLst>
+                                            <p:cond delay="0"/>
+                                          </p:stCondLst>
+                                        </p:cTn>
+                                        <p:tgtEl>
+                                          <p:spTgt spid="3">
+                                            <p:txEl>
+                                              <p:pRg st="4" end="4"/>
+                                            </p:txEl>
+                                          </p:spTgt>
+                                        </p:tgtEl>
+                                        <p:attrNameLst>
+                                          <p:attrName>style.visibility</p:attrName>
+                                        </p:attrNameLst>
+                                      </p:cBhvr>
+                                      <p:to>
+                                        <p:strVal val="visible"/>
+                                      </p:to>
+                                    </p:set>
+                                  </p:childTnLst>
+                                </p:cTn>
+                              </p:par>
+                              <p:par>
+                                <p:cTn id="17" presetID="1" presetClass="entr" presetSubtype="0" fill="hold" nodeType="withEffect">
+                                  <p:stCondLst>
+                                    <p:cond delay="0"/>
+                                  </p:stCondLst>
+                                  <p:childTnLst>
+                                    <p:set>
+                                      <p:cBhvr>
+                                        <p:cTn id="18" dur="1" fill="hold">
+                                          <p:stCondLst>
+                                            <p:cond delay="0"/>
+                                          </p:stCondLst>
+                                        </p:cTn>
+                                        <p:tgtEl>
+                                          <p:spTgt spid="3">
+                                            <p:txEl>
+                                              <p:pRg st="5" end="5"/>
+                                            </p:txEl>
+                                          </p:spTgt>
+                                        </p:tgtEl>
+                                        <p:attrNameLst>
+                                          <p:attrName>style.visibility</p:attrName>
+                                        </p:attrNameLst>
+                                      </p:cBhvr>
+                                      <p:to>
+                                        <p:strVal val="visible"/>
+                                      </p:to>
+                                    </p:set>
+                                  </p:childTnLst>
+                                </p:cTn>
+                              </p:par>
+                              <p:par>
+                                <p:cTn id="19" presetID="1" presetClass="entr" presetSubtype="0" fill="hold" nodeType="withEffect">
+                                  <p:stCondLst>
+                                    <p:cond delay="0"/>
+                                  </p:stCondLst>
+                                  <p:childTnLst>
+                                    <p:set>
+                                      <p:cBhvr>
+                                        <p:cTn id="20" dur="1" fill="hold">
+                                          <p:stCondLst>
+                                            <p:cond delay="0"/>
+                                          </p:stCondLst>
+                                        </p:cTn>
+                                        <p:tgtEl>
+                                          <p:spTgt spid="3">
+                                            <p:txEl>
+                                              <p:pRg st="6" end="6"/>
+                                            </p:txEl>
+                                          </p:spTgt>
+                                        </p:tgtEl>
+                                        <p:attrNameLst>
+                                          <p:attrName>style.visibility</p:attrName>
+                                        </p:attrNameLst>
+                                      </p:cBhvr>
+                                      <p:to>
+                                        <p:strVal val="visible"/>
+                                      </p:to>
+                                    </p:set>
+                                  </p:childTnLst>
+                                </p:cTn>
+                              </p:par>
+                            </p:childTnLst>
+                          </p:cTn>
+                        </p:par>
+                      </p:childTnLst>
+                    </p:cTn>
+                  </p:par>
+                </p:childTnLst>
+              </p:cTn>
+              <p:prevCondLst>
+                <p:cond evt="onPrev" delay="0">
+                  <p:tgtEl>
+                    <p:sldTgt/>
+                  </p:tgtEl>
+                </p:cond>
+              </p:prevCondLst>
+              <p:nextCondLst>
+                <p:cond evt="onNext" delay="0">
+                  <p:tgtEl>
+                    <p:sldTgt/>
+                  </p:tgtEl>
+                </p:cond>
+              </p:nextCondLst>
+            </p:seq>
+          </p:childTnLst>
+        </p:cTn>
+      </p:par>
+    </p:tnLst>
+  </p:timing>
+</p:sld>
+</file>
+
+<file path=ppt/slides/slide26.xml><?xml version="1.0" encoding="utf-8"?>
+<p:sld xmlns:a="http://schemas.openxmlformats.org/drawingml/2006/main" xmlns:r="http://schemas.openxmlformats.org/officeDocument/2006/relationships" xmlns:p="http://schemas.openxmlformats.org/presentationml/2006/main">
+  <p:cSld>
+    <p:spTree>
+      <p:nvGrpSpPr>
+        <p:cNvPr id="1" name=""/>
+        <p:cNvGrpSpPr/>
+        <p:nvPr/>
+      </p:nvGrpSpPr>
+      <p:grpSpPr>
+        <a:xfrm>
+          <a:off x="0" y="0"/>
+          <a:ext cx="0" cy="0"/>
+          <a:chOff x="0" y="0"/>
+          <a:chExt cx="0" cy="0"/>
+        </a:xfrm>
+      </p:grpSpPr>
+      <p:sp>
+        <p:nvSpPr>
+          <p:cNvPr id="2" name="Tittel 1">
+            <a:extLst>
+              <a:ext uri="{FF2B5EF4-FFF2-40B4-BE49-F238E27FC236}">
+                <a16:creationId xmlns:a16="http://schemas.microsoft.com/office/drawing/2014/main" id="{25F25625-BB41-48A4-A9FB-7A60B5A33684}"/>
+              </a:ext>
+            </a:extLst>
+          </p:cNvPr>
+          <p:cNvSpPr>
+            <a:spLocks noGrp="1"/>
+          </p:cNvSpPr>
+          <p:nvPr>
+            <p:ph type="title"/>
+          </p:nvPr>
+        </p:nvSpPr>
+        <p:spPr/>
+        <p:txBody>
+          <a:bodyPr/>
+          <a:lstStyle/>
+          <a:p>
+            <a:r>
+              <a:rPr lang="nb-NO" dirty="0"/>
+              <a:t>Eksempel 14</a:t>
+            </a:r>
+          </a:p>
+        </p:txBody>
+      </p:sp>
+      <p:sp>
+        <p:nvSpPr>
+          <p:cNvPr id="3" name="Plassholder for innhold 2">
+            <a:extLst>
+              <a:ext uri="{FF2B5EF4-FFF2-40B4-BE49-F238E27FC236}">
+                <a16:creationId xmlns:a16="http://schemas.microsoft.com/office/drawing/2014/main" id="{C2B53746-B3C6-4DC3-A05F-C5D0DCC9E039}"/>
+              </a:ext>
+            </a:extLst>
+          </p:cNvPr>
+          <p:cNvSpPr>
+            <a:spLocks noGrp="1"/>
+          </p:cNvSpPr>
+          <p:nvPr>
+            <p:ph idx="1"/>
+          </p:nvPr>
+        </p:nvSpPr>
+        <p:spPr/>
+        <p:txBody>
+          <a:bodyPr/>
+          <a:lstStyle/>
+          <a:p>
+            <a:r>
+              <a:rPr lang="nb-NO" dirty="0">
+                <a:solidFill>
+                  <a:srgbClr val="FF0000"/>
+                </a:solidFill>
+                <a:hlinkClick r:id="rId2">
+                  <a:extLst>
+                    <a:ext uri="{A12FA001-AC4F-418D-AE19-62706E023703}">
+                      <ahyp:hlinkClr xmlns:ahyp="http://schemas.microsoft.com/office/drawing/2018/hyperlinkcolor" val="tx"/>
+                    </a:ext>
+                  </a:extLst>
+                </a:hlinkClick>
+              </a:rPr>
+              <a:t>En roterende firkant</a:t>
+            </a:r>
+            <a:endParaRPr lang="nb-NO" dirty="0">
+              <a:solidFill>
+                <a:srgbClr val="FF0000"/>
+              </a:solidFill>
+            </a:endParaRPr>
+          </a:p>
+        </p:txBody>
+      </p:sp>
+    </p:spTree>
+    <p:extLst>
+      <p:ext uri="{BB962C8B-B14F-4D97-AF65-F5344CB8AC3E}">
+        <p14:creationId xmlns:p14="http://schemas.microsoft.com/office/powerpoint/2010/main" val="306908594"/>
+      </p:ext>
+    </p:extLst>
+  </p:cSld>
+  <p:clrMapOvr>
+    <a:masterClrMapping/>
+  </p:clrMapOvr>
+</p:sld>
+</file>
+
+<file path=ppt/slides/slide27.xml><?xml version="1.0" encoding="utf-8"?>
+<p:sld xmlns:a="http://schemas.openxmlformats.org/drawingml/2006/main" xmlns:r="http://schemas.openxmlformats.org/officeDocument/2006/relationships" xmlns:p="http://schemas.openxmlformats.org/presentationml/2006/main">
+  <p:cSld>
+    <p:spTree>
+      <p:nvGrpSpPr>
+        <p:cNvPr id="1" name=""/>
+        <p:cNvGrpSpPr/>
+        <p:nvPr/>
+      </p:nvGrpSpPr>
+      <p:grpSpPr>
+        <a:xfrm>
+          <a:off x="0" y="0"/>
+          <a:ext cx="0" cy="0"/>
+          <a:chOff x="0" y="0"/>
+          <a:chExt cx="0" cy="0"/>
+        </a:xfrm>
+      </p:grpSpPr>
+      <p:sp>
+        <p:nvSpPr>
+          <p:cNvPr id="2" name="Tittel 1">
+            <a:extLst>
+              <a:ext uri="{FF2B5EF4-FFF2-40B4-BE49-F238E27FC236}">
                 <a16:creationId xmlns:a16="http://schemas.microsoft.com/office/drawing/2014/main" id="{E057D23C-ED40-4C7F-806A-68C06CF53545}"/>
               </a:ext>
             </a:extLst>
@@ -11129,18 +11811,18 @@
 </file>
 
 <file path=customXml/item1.xml><?xml version="1.0" encoding="utf-8"?>
+<p:properties xmlns:p="http://schemas.microsoft.com/office/2006/metadata/properties" xmlns:xsi="http://www.w3.org/2001/XMLSchema-instance" xmlns:pc="http://schemas.microsoft.com/office/infopath/2007/PartnerControls">
+  <documentManagement/>
+</p:properties>
+</file>
+
+<file path=customXml/item2.xml><?xml version="1.0" encoding="utf-8"?>
 <?mso-contentType ?>
 <FormTemplates xmlns="http://schemas.microsoft.com/sharepoint/v3/contenttype/forms">
   <Display>DocumentLibraryForm</Display>
   <Edit>DocumentLibraryForm</Edit>
   <New>DocumentLibraryForm</New>
 </FormTemplates>
-</file>
-
-<file path=customXml/item2.xml><?xml version="1.0" encoding="utf-8"?>
-<p:properties xmlns:p="http://schemas.microsoft.com/office/2006/metadata/properties" xmlns:xsi="http://www.w3.org/2001/XMLSchema-instance" xmlns:pc="http://schemas.microsoft.com/office/infopath/2007/PartnerControls">
-  <documentManagement/>
-</p:properties>
 </file>
 
 <file path=customXml/item3.xml><?xml version="1.0" encoding="utf-8"?>
@@ -11314,18 +11996,18 @@
 </file>
 
 <file path=customXml/itemProps1.xml><?xml version="1.0" encoding="utf-8"?>
-<ds:datastoreItem xmlns:ds="http://schemas.openxmlformats.org/officeDocument/2006/customXml" ds:itemID="{2A9522E5-0C58-46F4-9625-D3BB5CE642A4}">
+<ds:datastoreItem xmlns:ds="http://schemas.openxmlformats.org/officeDocument/2006/customXml" ds:itemID="{AC1B37F0-027E-44D2-BE3E-5562385FFADC}">
   <ds:schemaRefs>
-    <ds:schemaRef ds:uri="http://schemas.microsoft.com/sharepoint/v3/contenttype/forms"/>
+    <ds:schemaRef ds:uri="http://schemas.microsoft.com/office/2006/metadata/properties"/>
+    <ds:schemaRef ds:uri="http://schemas.microsoft.com/office/infopath/2007/PartnerControls"/>
   </ds:schemaRefs>
 </ds:datastoreItem>
 </file>
 
 <file path=customXml/itemProps2.xml><?xml version="1.0" encoding="utf-8"?>
-<ds:datastoreItem xmlns:ds="http://schemas.openxmlformats.org/officeDocument/2006/customXml" ds:itemID="{AC1B37F0-027E-44D2-BE3E-5562385FFADC}">
+<ds:datastoreItem xmlns:ds="http://schemas.openxmlformats.org/officeDocument/2006/customXml" ds:itemID="{2A9522E5-0C58-46F4-9625-D3BB5CE642A4}">
   <ds:schemaRefs>
-    <ds:schemaRef ds:uri="http://schemas.microsoft.com/office/2006/metadata/properties"/>
-    <ds:schemaRef ds:uri="http://schemas.microsoft.com/office/infopath/2007/PartnerControls"/>
+    <ds:schemaRef ds:uri="http://schemas.microsoft.com/sharepoint/v3/contenttype/forms"/>
   </ds:schemaRefs>
 </ds:datastoreItem>
 </file>

--- a/Uke 5/Uke5-Presentasjon.pptx
+++ b/Uke 5/Uke5-Presentasjon.pptx
@@ -141,7 +141,7 @@
 <file path=ppt/revisionInfo.xml><?xml version="1.0" encoding="utf-8"?>
 <p1510:revInfo xmlns:a="http://schemas.openxmlformats.org/drawingml/2006/main" xmlns:r="http://schemas.openxmlformats.org/officeDocument/2006/relationships" xmlns:p1510="http://schemas.microsoft.com/office/powerpoint/2015/10/main">
   <p1510:revLst>
-    <p1510:client id="{1617E89F-D49F-43E8-8D39-B667441CA105}" v="292" dt="2020-01-29T20:34:35.706"/>
+    <p1510:client id="{1617E89F-D49F-43E8-8D39-B667441CA105}" v="309" dt="2020-01-29T21:14:08.637"/>
   </p1510:revLst>
 </p1510:revInfo>
 </file>
@@ -151,7 +151,7 @@
   <pc:docChgLst>
     <pc:chgData name="Aizan Magomadova" userId="b3d38ecc-02a7-4810-ad44-0e9f513517c5" providerId="ADAL" clId="{1617E89F-D49F-43E8-8D39-B667441CA105}"/>
     <pc:docChg chg="undo custSel addSld delSld modSld sldOrd">
-      <pc:chgData name="Aizan Magomadova" userId="b3d38ecc-02a7-4810-ad44-0e9f513517c5" providerId="ADAL" clId="{1617E89F-D49F-43E8-8D39-B667441CA105}" dt="2020-01-29T20:34:35.706" v="6181" actId="20577"/>
+      <pc:chgData name="Aizan Magomadova" userId="b3d38ecc-02a7-4810-ad44-0e9f513517c5" providerId="ADAL" clId="{1617E89F-D49F-43E8-8D39-B667441CA105}" dt="2020-01-29T21:14:08.637" v="6226"/>
       <pc:docMkLst>
         <pc:docMk/>
       </pc:docMkLst>
@@ -223,6 +223,13 @@
           </ac:graphicFrameMkLst>
         </pc:graphicFrameChg>
       </pc:sldChg>
+      <pc:sldChg chg="modAnim">
+        <pc:chgData name="Aizan Magomadova" userId="b3d38ecc-02a7-4810-ad44-0e9f513517c5" providerId="ADAL" clId="{1617E89F-D49F-43E8-8D39-B667441CA105}" dt="2020-01-29T21:14:08.637" v="6226"/>
+        <pc:sldMkLst>
+          <pc:docMk/>
+          <pc:sldMk cId="3949438320" sldId="261"/>
+        </pc:sldMkLst>
+      </pc:sldChg>
       <pc:sldChg chg="modSp">
         <pc:chgData name="Aizan Magomadova" userId="b3d38ecc-02a7-4810-ad44-0e9f513517c5" providerId="ADAL" clId="{1617E89F-D49F-43E8-8D39-B667441CA105}" dt="2020-01-28T11:56:03.219" v="315" actId="20577"/>
         <pc:sldMkLst>
@@ -276,8 +283,8 @@
           </ac:spMkLst>
         </pc:spChg>
       </pc:sldChg>
-      <pc:sldChg chg="modSp">
-        <pc:chgData name="Aizan Magomadova" userId="b3d38ecc-02a7-4810-ad44-0e9f513517c5" providerId="ADAL" clId="{1617E89F-D49F-43E8-8D39-B667441CA105}" dt="2020-01-29T12:54:15.884" v="5523" actId="20577"/>
+      <pc:sldChg chg="modSp modAnim">
+        <pc:chgData name="Aizan Magomadova" userId="b3d38ecc-02a7-4810-ad44-0e9f513517c5" providerId="ADAL" clId="{1617E89F-D49F-43E8-8D39-B667441CA105}" dt="2020-01-29T21:12:22.178" v="6222"/>
         <pc:sldMkLst>
           <pc:docMk/>
           <pc:sldMk cId="2792998373" sldId="265"/>
@@ -306,8 +313,8 @@
           </ac:spMkLst>
         </pc:spChg>
       </pc:sldChg>
-      <pc:sldChg chg="modSp add ord">
-        <pc:chgData name="Aizan Magomadova" userId="b3d38ecc-02a7-4810-ad44-0e9f513517c5" providerId="ADAL" clId="{1617E89F-D49F-43E8-8D39-B667441CA105}" dt="2020-01-28T11:58:06.690" v="360" actId="27636"/>
+      <pc:sldChg chg="modSp add ord modAnim">
+        <pc:chgData name="Aizan Magomadova" userId="b3d38ecc-02a7-4810-ad44-0e9f513517c5" providerId="ADAL" clId="{1617E89F-D49F-43E8-8D39-B667441CA105}" dt="2020-01-29T21:11:59.975" v="6220"/>
         <pc:sldMkLst>
           <pc:docMk/>
           <pc:sldMk cId="2748788829" sldId="267"/>
@@ -321,7 +328,7 @@
           </ac:spMkLst>
         </pc:spChg>
         <pc:spChg chg="mod">
-          <ac:chgData name="Aizan Magomadova" userId="b3d38ecc-02a7-4810-ad44-0e9f513517c5" providerId="ADAL" clId="{1617E89F-D49F-43E8-8D39-B667441CA105}" dt="2020-01-28T11:58:06.690" v="360" actId="27636"/>
+          <ac:chgData name="Aizan Magomadova" userId="b3d38ecc-02a7-4810-ad44-0e9f513517c5" providerId="ADAL" clId="{1617E89F-D49F-43E8-8D39-B667441CA105}" dt="2020-01-29T21:11:55.381" v="6219" actId="1076"/>
           <ac:spMkLst>
             <pc:docMk/>
             <pc:sldMk cId="2748788829" sldId="267"/>
@@ -384,8 +391,8 @@
           </ac:spMkLst>
         </pc:spChg>
       </pc:sldChg>
-      <pc:sldChg chg="addSp delSp modSp add">
-        <pc:chgData name="Aizan Magomadova" userId="b3d38ecc-02a7-4810-ad44-0e9f513517c5" providerId="ADAL" clId="{1617E89F-D49F-43E8-8D39-B667441CA105}" dt="2020-01-28T12:59:14.554" v="1491" actId="27636"/>
+      <pc:sldChg chg="addSp delSp modSp add modAnim">
+        <pc:chgData name="Aizan Magomadova" userId="b3d38ecc-02a7-4810-ad44-0e9f513517c5" providerId="ADAL" clId="{1617E89F-D49F-43E8-8D39-B667441CA105}" dt="2020-01-29T21:11:22.217" v="6217"/>
         <pc:sldMkLst>
           <pc:docMk/>
           <pc:sldMk cId="2195675087" sldId="269"/>
@@ -524,8 +531,8 @@
           </ac:spMkLst>
         </pc:spChg>
       </pc:sldChg>
-      <pc:sldChg chg="modSp add">
-        <pc:chgData name="Aizan Magomadova" userId="b3d38ecc-02a7-4810-ad44-0e9f513517c5" providerId="ADAL" clId="{1617E89F-D49F-43E8-8D39-B667441CA105}" dt="2020-01-29T11:17:09.242" v="4242" actId="5793"/>
+      <pc:sldChg chg="modSp add modAnim">
+        <pc:chgData name="Aizan Magomadova" userId="b3d38ecc-02a7-4810-ad44-0e9f513517c5" providerId="ADAL" clId="{1617E89F-D49F-43E8-8D39-B667441CA105}" dt="2020-01-29T21:10:45.757" v="6213"/>
         <pc:sldMkLst>
           <pc:docMk/>
           <pc:sldMk cId="4008297770" sldId="273"/>
@@ -539,7 +546,7 @@
           </ac:spMkLst>
         </pc:spChg>
         <pc:spChg chg="mod">
-          <ac:chgData name="Aizan Magomadova" userId="b3d38ecc-02a7-4810-ad44-0e9f513517c5" providerId="ADAL" clId="{1617E89F-D49F-43E8-8D39-B667441CA105}" dt="2020-01-29T11:17:09.242" v="4242" actId="5793"/>
+          <ac:chgData name="Aizan Magomadova" userId="b3d38ecc-02a7-4810-ad44-0e9f513517c5" providerId="ADAL" clId="{1617E89F-D49F-43E8-8D39-B667441CA105}" dt="2020-01-29T21:10:24.722" v="6211" actId="5793"/>
           <ac:spMkLst>
             <pc:docMk/>
             <pc:sldMk cId="4008297770" sldId="273"/>
@@ -4325,12 +4332,8 @@
               <a:t>transition</a:t>
             </a:r>
             <a:r>
-              <a:rPr lang="nb-NO" sz="2600"/>
-              <a:t> på et </a:t>
-            </a:r>
-            <a:r>
               <a:rPr lang="nb-NO" sz="2600" dirty="0"/>
-              <a:t>HTML-element med CSS. Vi trenger ikke angi hvilke CSS-stiler som skal få en overgang, i så fall vil overgangen gjelde for alle endringer av CSS-stiler</a:t>
+              <a:t> på et HTML-element med CSS. Vi trenger ikke angi hvilke CSS-stiler som skal få en overgang, i så fall vil overgangen gjelde for alle endringer av CSS-stiler</a:t>
             </a:r>
           </a:p>
           <a:p>
@@ -4491,6 +4494,258 @@
   <p:clrMapOvr>
     <a:masterClrMapping/>
   </p:clrMapOvr>
+  <p:timing>
+    <p:tnLst>
+      <p:par>
+        <p:cTn id="1" dur="indefinite" restart="never" nodeType="tmRoot">
+          <p:childTnLst>
+            <p:seq concurrent="1" nextAc="seek">
+              <p:cTn id="2" dur="indefinite" nodeType="mainSeq">
+                <p:childTnLst>
+                  <p:par>
+                    <p:cTn id="3" fill="hold">
+                      <p:stCondLst>
+                        <p:cond delay="indefinite"/>
+                      </p:stCondLst>
+                      <p:childTnLst>
+                        <p:par>
+                          <p:cTn id="4" fill="hold">
+                            <p:stCondLst>
+                              <p:cond delay="0"/>
+                            </p:stCondLst>
+                            <p:childTnLst>
+                              <p:par>
+                                <p:cTn id="5" presetID="1" presetClass="entr" presetSubtype="0" fill="hold" nodeType="clickEffect">
+                                  <p:stCondLst>
+                                    <p:cond delay="0"/>
+                                  </p:stCondLst>
+                                  <p:childTnLst>
+                                    <p:set>
+                                      <p:cBhvr>
+                                        <p:cTn id="6" dur="1" fill="hold">
+                                          <p:stCondLst>
+                                            <p:cond delay="0"/>
+                                          </p:stCondLst>
+                                        </p:cTn>
+                                        <p:tgtEl>
+                                          <p:spTgt spid="3">
+                                            <p:txEl>
+                                              <p:pRg st="2" end="2"/>
+                                            </p:txEl>
+                                          </p:spTgt>
+                                        </p:tgtEl>
+                                        <p:attrNameLst>
+                                          <p:attrName>style.visibility</p:attrName>
+                                        </p:attrNameLst>
+                                      </p:cBhvr>
+                                      <p:to>
+                                        <p:strVal val="visible"/>
+                                      </p:to>
+                                    </p:set>
+                                  </p:childTnLst>
+                                </p:cTn>
+                              </p:par>
+                              <p:par>
+                                <p:cTn id="7" presetID="1" presetClass="entr" presetSubtype="0" fill="hold" nodeType="withEffect">
+                                  <p:stCondLst>
+                                    <p:cond delay="0"/>
+                                  </p:stCondLst>
+                                  <p:childTnLst>
+                                    <p:set>
+                                      <p:cBhvr>
+                                        <p:cTn id="8" dur="1" fill="hold">
+                                          <p:stCondLst>
+                                            <p:cond delay="0"/>
+                                          </p:stCondLst>
+                                        </p:cTn>
+                                        <p:tgtEl>
+                                          <p:spTgt spid="3">
+                                            <p:txEl>
+                                              <p:pRg st="3" end="3"/>
+                                            </p:txEl>
+                                          </p:spTgt>
+                                        </p:tgtEl>
+                                        <p:attrNameLst>
+                                          <p:attrName>style.visibility</p:attrName>
+                                        </p:attrNameLst>
+                                      </p:cBhvr>
+                                      <p:to>
+                                        <p:strVal val="visible"/>
+                                      </p:to>
+                                    </p:set>
+                                  </p:childTnLst>
+                                </p:cTn>
+                              </p:par>
+                              <p:par>
+                                <p:cTn id="9" presetID="1" presetClass="entr" presetSubtype="0" fill="hold" nodeType="withEffect">
+                                  <p:stCondLst>
+                                    <p:cond delay="0"/>
+                                  </p:stCondLst>
+                                  <p:childTnLst>
+                                    <p:set>
+                                      <p:cBhvr>
+                                        <p:cTn id="10" dur="1" fill="hold">
+                                          <p:stCondLst>
+                                            <p:cond delay="0"/>
+                                          </p:stCondLst>
+                                        </p:cTn>
+                                        <p:tgtEl>
+                                          <p:spTgt spid="3">
+                                            <p:txEl>
+                                              <p:pRg st="4" end="4"/>
+                                            </p:txEl>
+                                          </p:spTgt>
+                                        </p:tgtEl>
+                                        <p:attrNameLst>
+                                          <p:attrName>style.visibility</p:attrName>
+                                        </p:attrNameLst>
+                                      </p:cBhvr>
+                                      <p:to>
+                                        <p:strVal val="visible"/>
+                                      </p:to>
+                                    </p:set>
+                                  </p:childTnLst>
+                                </p:cTn>
+                              </p:par>
+                              <p:par>
+                                <p:cTn id="11" presetID="1" presetClass="entr" presetSubtype="0" fill="hold" nodeType="withEffect">
+                                  <p:stCondLst>
+                                    <p:cond delay="0"/>
+                                  </p:stCondLst>
+                                  <p:childTnLst>
+                                    <p:set>
+                                      <p:cBhvr>
+                                        <p:cTn id="12" dur="1" fill="hold">
+                                          <p:stCondLst>
+                                            <p:cond delay="0"/>
+                                          </p:stCondLst>
+                                        </p:cTn>
+                                        <p:tgtEl>
+                                          <p:spTgt spid="3">
+                                            <p:txEl>
+                                              <p:pRg st="5" end="5"/>
+                                            </p:txEl>
+                                          </p:spTgt>
+                                        </p:tgtEl>
+                                        <p:attrNameLst>
+                                          <p:attrName>style.visibility</p:attrName>
+                                        </p:attrNameLst>
+                                      </p:cBhvr>
+                                      <p:to>
+                                        <p:strVal val="visible"/>
+                                      </p:to>
+                                    </p:set>
+                                  </p:childTnLst>
+                                </p:cTn>
+                              </p:par>
+                            </p:childTnLst>
+                          </p:cTn>
+                        </p:par>
+                      </p:childTnLst>
+                    </p:cTn>
+                  </p:par>
+                  <p:par>
+                    <p:cTn id="13" fill="hold">
+                      <p:stCondLst>
+                        <p:cond delay="indefinite"/>
+                      </p:stCondLst>
+                      <p:childTnLst>
+                        <p:par>
+                          <p:cTn id="14" fill="hold">
+                            <p:stCondLst>
+                              <p:cond delay="0"/>
+                            </p:stCondLst>
+                            <p:childTnLst>
+                              <p:par>
+                                <p:cTn id="15" presetID="1" presetClass="entr" presetSubtype="0" fill="hold" nodeType="clickEffect">
+                                  <p:stCondLst>
+                                    <p:cond delay="0"/>
+                                  </p:stCondLst>
+                                  <p:childTnLst>
+                                    <p:set>
+                                      <p:cBhvr>
+                                        <p:cTn id="16" dur="1" fill="hold">
+                                          <p:stCondLst>
+                                            <p:cond delay="0"/>
+                                          </p:stCondLst>
+                                        </p:cTn>
+                                        <p:tgtEl>
+                                          <p:spTgt spid="3">
+                                            <p:txEl>
+                                              <p:pRg st="7" end="7"/>
+                                            </p:txEl>
+                                          </p:spTgt>
+                                        </p:tgtEl>
+                                        <p:attrNameLst>
+                                          <p:attrName>style.visibility</p:attrName>
+                                        </p:attrNameLst>
+                                      </p:cBhvr>
+                                      <p:to>
+                                        <p:strVal val="visible"/>
+                                      </p:to>
+                                    </p:set>
+                                  </p:childTnLst>
+                                </p:cTn>
+                              </p:par>
+                              <p:par>
+                                <p:cTn id="17" presetID="1" presetClass="entr" presetSubtype="0" fill="hold" nodeType="withEffect">
+                                  <p:stCondLst>
+                                    <p:cond delay="0"/>
+                                  </p:stCondLst>
+                                  <p:childTnLst>
+                                    <p:set>
+                                      <p:cBhvr>
+                                        <p:cTn id="18" dur="1" fill="hold">
+                                          <p:stCondLst>
+                                            <p:cond delay="0"/>
+                                          </p:stCondLst>
+                                        </p:cTn>
+                                        <p:tgtEl>
+                                          <p:spTgt spid="3">
+                                            <p:txEl>
+                                              <p:pRg st="8" end="8"/>
+                                            </p:txEl>
+                                          </p:spTgt>
+                                        </p:tgtEl>
+                                        <p:attrNameLst>
+                                          <p:attrName>style.visibility</p:attrName>
+                                        </p:attrNameLst>
+                                      </p:cBhvr>
+                                      <p:to>
+                                        <p:strVal val="visible"/>
+                                      </p:to>
+                                    </p:set>
+                                  </p:childTnLst>
+                                </p:cTn>
+                              </p:par>
+                            </p:childTnLst>
+                          </p:cTn>
+                        </p:par>
+                      </p:childTnLst>
+                    </p:cTn>
+                  </p:par>
+                </p:childTnLst>
+              </p:cTn>
+              <p:prevCondLst>
+                <p:cond evt="onPrev" delay="0">
+                  <p:tgtEl>
+                    <p:sldTgt/>
+                  </p:tgtEl>
+                </p:cond>
+              </p:prevCondLst>
+              <p:nextCondLst>
+                <p:cond evt="onNext" delay="0">
+                  <p:tgtEl>
+                    <p:sldTgt/>
+                  </p:tgtEl>
+                </p:cond>
+              </p:nextCondLst>
+            </p:seq>
+          </p:childTnLst>
+        </p:cTn>
+      </p:par>
+    </p:tnLst>
+  </p:timing>
 </p:sld>
 </file>
 
@@ -5440,6 +5695,351 @@
   <p:clrMapOvr>
     <a:masterClrMapping/>
   </p:clrMapOvr>
+  <p:timing>
+    <p:tnLst>
+      <p:par>
+        <p:cTn id="1" dur="indefinite" restart="never" nodeType="tmRoot">
+          <p:childTnLst>
+            <p:seq concurrent="1" nextAc="seek">
+              <p:cTn id="2" dur="indefinite" nodeType="mainSeq">
+                <p:childTnLst>
+                  <p:par>
+                    <p:cTn id="3" fill="hold">
+                      <p:stCondLst>
+                        <p:cond delay="indefinite"/>
+                      </p:stCondLst>
+                      <p:childTnLst>
+                        <p:par>
+                          <p:cTn id="4" fill="hold">
+                            <p:stCondLst>
+                              <p:cond delay="0"/>
+                            </p:stCondLst>
+                            <p:childTnLst>
+                              <p:par>
+                                <p:cTn id="5" presetID="1" presetClass="entr" presetSubtype="0" fill="hold" nodeType="clickEffect">
+                                  <p:stCondLst>
+                                    <p:cond delay="0"/>
+                                  </p:stCondLst>
+                                  <p:childTnLst>
+                                    <p:set>
+                                      <p:cBhvr>
+                                        <p:cTn id="6" dur="1" fill="hold">
+                                          <p:stCondLst>
+                                            <p:cond delay="0"/>
+                                          </p:stCondLst>
+                                        </p:cTn>
+                                        <p:tgtEl>
+                                          <p:spTgt spid="8">
+                                            <p:txEl>
+                                              <p:pRg st="2" end="2"/>
+                                            </p:txEl>
+                                          </p:spTgt>
+                                        </p:tgtEl>
+                                        <p:attrNameLst>
+                                          <p:attrName>style.visibility</p:attrName>
+                                        </p:attrNameLst>
+                                      </p:cBhvr>
+                                      <p:to>
+                                        <p:strVal val="visible"/>
+                                      </p:to>
+                                    </p:set>
+                                  </p:childTnLst>
+                                </p:cTn>
+                              </p:par>
+                              <p:par>
+                                <p:cTn id="7" presetID="1" presetClass="entr" presetSubtype="0" fill="hold" nodeType="withEffect">
+                                  <p:stCondLst>
+                                    <p:cond delay="0"/>
+                                  </p:stCondLst>
+                                  <p:childTnLst>
+                                    <p:set>
+                                      <p:cBhvr>
+                                        <p:cTn id="8" dur="1" fill="hold">
+                                          <p:stCondLst>
+                                            <p:cond delay="0"/>
+                                          </p:stCondLst>
+                                        </p:cTn>
+                                        <p:tgtEl>
+                                          <p:spTgt spid="8">
+                                            <p:txEl>
+                                              <p:pRg st="3" end="3"/>
+                                            </p:txEl>
+                                          </p:spTgt>
+                                        </p:tgtEl>
+                                        <p:attrNameLst>
+                                          <p:attrName>style.visibility</p:attrName>
+                                        </p:attrNameLst>
+                                      </p:cBhvr>
+                                      <p:to>
+                                        <p:strVal val="visible"/>
+                                      </p:to>
+                                    </p:set>
+                                  </p:childTnLst>
+                                </p:cTn>
+                              </p:par>
+                              <p:par>
+                                <p:cTn id="9" presetID="1" presetClass="entr" presetSubtype="0" fill="hold" nodeType="withEffect">
+                                  <p:stCondLst>
+                                    <p:cond delay="0"/>
+                                  </p:stCondLst>
+                                  <p:childTnLst>
+                                    <p:set>
+                                      <p:cBhvr>
+                                        <p:cTn id="10" dur="1" fill="hold">
+                                          <p:stCondLst>
+                                            <p:cond delay="0"/>
+                                          </p:stCondLst>
+                                        </p:cTn>
+                                        <p:tgtEl>
+                                          <p:spTgt spid="8">
+                                            <p:txEl>
+                                              <p:pRg st="4" end="4"/>
+                                            </p:txEl>
+                                          </p:spTgt>
+                                        </p:tgtEl>
+                                        <p:attrNameLst>
+                                          <p:attrName>style.visibility</p:attrName>
+                                        </p:attrNameLst>
+                                      </p:cBhvr>
+                                      <p:to>
+                                        <p:strVal val="visible"/>
+                                      </p:to>
+                                    </p:set>
+                                  </p:childTnLst>
+                                </p:cTn>
+                              </p:par>
+                              <p:par>
+                                <p:cTn id="11" presetID="1" presetClass="entr" presetSubtype="0" fill="hold" nodeType="withEffect">
+                                  <p:stCondLst>
+                                    <p:cond delay="0"/>
+                                  </p:stCondLst>
+                                  <p:childTnLst>
+                                    <p:set>
+                                      <p:cBhvr>
+                                        <p:cTn id="12" dur="1" fill="hold">
+                                          <p:stCondLst>
+                                            <p:cond delay="0"/>
+                                          </p:stCondLst>
+                                        </p:cTn>
+                                        <p:tgtEl>
+                                          <p:spTgt spid="8">
+                                            <p:txEl>
+                                              <p:pRg st="5" end="5"/>
+                                            </p:txEl>
+                                          </p:spTgt>
+                                        </p:tgtEl>
+                                        <p:attrNameLst>
+                                          <p:attrName>style.visibility</p:attrName>
+                                        </p:attrNameLst>
+                                      </p:cBhvr>
+                                      <p:to>
+                                        <p:strVal val="visible"/>
+                                      </p:to>
+                                    </p:set>
+                                  </p:childTnLst>
+                                </p:cTn>
+                              </p:par>
+                              <p:par>
+                                <p:cTn id="13" presetID="1" presetClass="entr" presetSubtype="0" fill="hold" nodeType="withEffect">
+                                  <p:stCondLst>
+                                    <p:cond delay="0"/>
+                                  </p:stCondLst>
+                                  <p:childTnLst>
+                                    <p:set>
+                                      <p:cBhvr>
+                                        <p:cTn id="14" dur="1" fill="hold">
+                                          <p:stCondLst>
+                                            <p:cond delay="0"/>
+                                          </p:stCondLst>
+                                        </p:cTn>
+                                        <p:tgtEl>
+                                          <p:spTgt spid="8">
+                                            <p:txEl>
+                                              <p:pRg st="6" end="6"/>
+                                            </p:txEl>
+                                          </p:spTgt>
+                                        </p:tgtEl>
+                                        <p:attrNameLst>
+                                          <p:attrName>style.visibility</p:attrName>
+                                        </p:attrNameLst>
+                                      </p:cBhvr>
+                                      <p:to>
+                                        <p:strVal val="visible"/>
+                                      </p:to>
+                                    </p:set>
+                                  </p:childTnLst>
+                                </p:cTn>
+                              </p:par>
+                            </p:childTnLst>
+                          </p:cTn>
+                        </p:par>
+                      </p:childTnLst>
+                    </p:cTn>
+                  </p:par>
+                  <p:par>
+                    <p:cTn id="15" fill="hold">
+                      <p:stCondLst>
+                        <p:cond delay="indefinite"/>
+                      </p:stCondLst>
+                      <p:childTnLst>
+                        <p:par>
+                          <p:cTn id="16" fill="hold">
+                            <p:stCondLst>
+                              <p:cond delay="0"/>
+                            </p:stCondLst>
+                            <p:childTnLst>
+                              <p:par>
+                                <p:cTn id="17" presetID="1" presetClass="entr" presetSubtype="0" fill="hold" nodeType="clickEffect">
+                                  <p:stCondLst>
+                                    <p:cond delay="0"/>
+                                  </p:stCondLst>
+                                  <p:childTnLst>
+                                    <p:set>
+                                      <p:cBhvr>
+                                        <p:cTn id="18" dur="1" fill="hold">
+                                          <p:stCondLst>
+                                            <p:cond delay="0"/>
+                                          </p:stCondLst>
+                                        </p:cTn>
+                                        <p:tgtEl>
+                                          <p:spTgt spid="8">
+                                            <p:txEl>
+                                              <p:pRg st="7" end="7"/>
+                                            </p:txEl>
+                                          </p:spTgt>
+                                        </p:tgtEl>
+                                        <p:attrNameLst>
+                                          <p:attrName>style.visibility</p:attrName>
+                                        </p:attrNameLst>
+                                      </p:cBhvr>
+                                      <p:to>
+                                        <p:strVal val="visible"/>
+                                      </p:to>
+                                    </p:set>
+                                  </p:childTnLst>
+                                </p:cTn>
+                              </p:par>
+                              <p:par>
+                                <p:cTn id="19" presetID="1" presetClass="entr" presetSubtype="0" fill="hold" nodeType="withEffect">
+                                  <p:stCondLst>
+                                    <p:cond delay="0"/>
+                                  </p:stCondLst>
+                                  <p:childTnLst>
+                                    <p:set>
+                                      <p:cBhvr>
+                                        <p:cTn id="20" dur="1" fill="hold">
+                                          <p:stCondLst>
+                                            <p:cond delay="0"/>
+                                          </p:stCondLst>
+                                        </p:cTn>
+                                        <p:tgtEl>
+                                          <p:spTgt spid="8">
+                                            <p:txEl>
+                                              <p:pRg st="8" end="8"/>
+                                            </p:txEl>
+                                          </p:spTgt>
+                                        </p:tgtEl>
+                                        <p:attrNameLst>
+                                          <p:attrName>style.visibility</p:attrName>
+                                        </p:attrNameLst>
+                                      </p:cBhvr>
+                                      <p:to>
+                                        <p:strVal val="visible"/>
+                                      </p:to>
+                                    </p:set>
+                                  </p:childTnLst>
+                                </p:cTn>
+                              </p:par>
+                              <p:par>
+                                <p:cTn id="21" presetID="1" presetClass="entr" presetSubtype="0" fill="hold" nodeType="withEffect">
+                                  <p:stCondLst>
+                                    <p:cond delay="0"/>
+                                  </p:stCondLst>
+                                  <p:childTnLst>
+                                    <p:set>
+                                      <p:cBhvr>
+                                        <p:cTn id="22" dur="1" fill="hold">
+                                          <p:stCondLst>
+                                            <p:cond delay="0"/>
+                                          </p:stCondLst>
+                                        </p:cTn>
+                                        <p:tgtEl>
+                                          <p:spTgt spid="8">
+                                            <p:txEl>
+                                              <p:pRg st="9" end="9"/>
+                                            </p:txEl>
+                                          </p:spTgt>
+                                        </p:tgtEl>
+                                        <p:attrNameLst>
+                                          <p:attrName>style.visibility</p:attrName>
+                                        </p:attrNameLst>
+                                      </p:cBhvr>
+                                      <p:to>
+                                        <p:strVal val="visible"/>
+                                      </p:to>
+                                    </p:set>
+                                  </p:childTnLst>
+                                </p:cTn>
+                              </p:par>
+                              <p:par>
+                                <p:cTn id="23" presetID="1" presetClass="entr" presetSubtype="0" fill="hold" nodeType="withEffect">
+                                  <p:stCondLst>
+                                    <p:cond delay="0"/>
+                                  </p:stCondLst>
+                                  <p:childTnLst>
+                                    <p:set>
+                                      <p:cBhvr>
+                                        <p:cTn id="24" dur="1" fill="hold">
+                                          <p:stCondLst>
+                                            <p:cond delay="0"/>
+                                          </p:stCondLst>
+                                        </p:cTn>
+                                        <p:tgtEl>
+                                          <p:spTgt spid="8">
+                                            <p:txEl>
+                                              <p:pRg st="10" end="10"/>
+                                            </p:txEl>
+                                          </p:spTgt>
+                                        </p:tgtEl>
+                                        <p:attrNameLst>
+                                          <p:attrName>style.visibility</p:attrName>
+                                        </p:attrNameLst>
+                                      </p:cBhvr>
+                                      <p:to>
+                                        <p:strVal val="visible"/>
+                                      </p:to>
+                                    </p:set>
+                                  </p:childTnLst>
+                                </p:cTn>
+                              </p:par>
+                            </p:childTnLst>
+                          </p:cTn>
+                        </p:par>
+                      </p:childTnLst>
+                    </p:cTn>
+                  </p:par>
+                </p:childTnLst>
+              </p:cTn>
+              <p:prevCondLst>
+                <p:cond evt="onPrev" delay="0">
+                  <p:tgtEl>
+                    <p:sldTgt/>
+                  </p:tgtEl>
+                </p:cond>
+              </p:prevCondLst>
+              <p:nextCondLst>
+                <p:cond evt="onNext" delay="0">
+                  <p:tgtEl>
+                    <p:sldTgt/>
+                  </p:tgtEl>
+                </p:cond>
+              </p:nextCondLst>
+            </p:seq>
+          </p:childTnLst>
+        </p:cTn>
+      </p:par>
+    </p:tnLst>
+  </p:timing>
 </p:sld>
 </file>
 
@@ -6468,7 +7068,9 @@
         </p:nvSpPr>
         <p:spPr/>
         <p:txBody>
-          <a:bodyPr/>
+          <a:bodyPr>
+            <a:normAutofit fontScale="92500"/>
+          </a:bodyPr>
           <a:lstStyle/>
           <a:p>
             <a:r>
@@ -6545,6 +7147,131 @@
               <a:buNone/>
             </a:pPr>
             <a:endParaRPr lang="nb-NO" dirty="0"/>
+          </a:p>
+          <a:p>
+            <a:pPr marL="0" indent="0">
+              <a:buNone/>
+            </a:pPr>
+            <a:r>
+              <a:rPr lang="nb-NO" dirty="0"/>
+              <a:t> </a:t>
+            </a:r>
+            <a:r>
+              <a:rPr lang="nb-NO" b="1" dirty="0"/>
+              <a:t>Eks</a:t>
+            </a:r>
+            <a:r>
+              <a:rPr lang="nb-NO" dirty="0"/>
+              <a:t>: </a:t>
+            </a:r>
+            <a:r>
+              <a:rPr lang="nb-NO" sz="2200" dirty="0">
+                <a:solidFill>
+                  <a:srgbClr val="0070C0"/>
+                </a:solidFill>
+              </a:rPr>
+              <a:t>&lt;span id="hilsen"&gt;</a:t>
+            </a:r>
+            <a:r>
+              <a:rPr lang="nb-NO" sz="2200" dirty="0">
+                <a:solidFill>
+                  <a:srgbClr val="00B050"/>
+                </a:solidFill>
+              </a:rPr>
+              <a:t>Hei på deg!&lt;/</a:t>
+            </a:r>
+            <a:r>
+              <a:rPr lang="nb-NO" sz="2200" dirty="0">
+                <a:solidFill>
+                  <a:srgbClr val="0070C0"/>
+                </a:solidFill>
+              </a:rPr>
+              <a:t>span&gt;</a:t>
+            </a:r>
+          </a:p>
+          <a:p>
+            <a:pPr marL="0" indent="0">
+              <a:buNone/>
+            </a:pPr>
+            <a:r>
+              <a:rPr lang="nb-NO" sz="2200" dirty="0">
+                <a:solidFill>
+                  <a:srgbClr val="0070C0"/>
+                </a:solidFill>
+              </a:rPr>
+              <a:t>        &lt;script&gt;</a:t>
+            </a:r>
+          </a:p>
+          <a:p>
+            <a:pPr marL="0" indent="0">
+              <a:buNone/>
+            </a:pPr>
+            <a:r>
+              <a:rPr lang="nb-NO" sz="2200" dirty="0">
+                <a:solidFill>
+                  <a:srgbClr val="0070C0"/>
+                </a:solidFill>
+              </a:rPr>
+              <a:t>        var hilsen = </a:t>
+            </a:r>
+            <a:r>
+              <a:rPr lang="nb-NO" sz="2200" dirty="0" err="1">
+                <a:solidFill>
+                  <a:srgbClr val="0070C0"/>
+                </a:solidFill>
+              </a:rPr>
+              <a:t>document.getElementById</a:t>
+            </a:r>
+            <a:r>
+              <a:rPr lang="nb-NO" sz="2200" dirty="0">
+                <a:solidFill>
+                  <a:srgbClr val="0070C0"/>
+                </a:solidFill>
+              </a:rPr>
+              <a:t>("hilsen");</a:t>
+            </a:r>
+          </a:p>
+          <a:p>
+            <a:pPr marL="0" indent="0">
+              <a:buNone/>
+            </a:pPr>
+            <a:r>
+              <a:rPr lang="nb-NO" sz="2200" dirty="0">
+                <a:solidFill>
+                  <a:srgbClr val="0070C0"/>
+                </a:solidFill>
+              </a:rPr>
+              <a:t>        </a:t>
+            </a:r>
+            <a:r>
+              <a:rPr lang="nb-NO" sz="2200" dirty="0" err="1">
+                <a:solidFill>
+                  <a:srgbClr val="0070C0"/>
+                </a:solidFill>
+              </a:rPr>
+              <a:t>hilsen.animate</a:t>
+            </a:r>
+            <a:r>
+              <a:rPr lang="nb-NO" sz="2200" dirty="0">
+                <a:solidFill>
+                  <a:srgbClr val="0070C0"/>
+                </a:solidFill>
+              </a:rPr>
+              <a:t>([{opacity:0},{opacity:1}],2000);</a:t>
+            </a:r>
+          </a:p>
+          <a:p>
+            <a:pPr marL="0" indent="0">
+              <a:buNone/>
+            </a:pPr>
+            <a:r>
+              <a:rPr lang="nb-NO" sz="2200" dirty="0">
+                <a:solidFill>
+                  <a:srgbClr val="0070C0"/>
+                </a:solidFill>
+              </a:rPr>
+              <a:t>        &lt;/script&gt;</a:t>
+            </a:r>
           </a:p>
           <a:p>
             <a:pPr marL="0" indent="0">
@@ -6564,6 +7291,258 @@
   <p:clrMapOvr>
     <a:masterClrMapping/>
   </p:clrMapOvr>
+  <p:timing>
+    <p:tnLst>
+      <p:par>
+        <p:cTn id="1" dur="indefinite" restart="never" nodeType="tmRoot">
+          <p:childTnLst>
+            <p:seq concurrent="1" nextAc="seek">
+              <p:cTn id="2" dur="indefinite" nodeType="mainSeq">
+                <p:childTnLst>
+                  <p:par>
+                    <p:cTn id="3" fill="hold">
+                      <p:stCondLst>
+                        <p:cond delay="indefinite"/>
+                      </p:stCondLst>
+                      <p:childTnLst>
+                        <p:par>
+                          <p:cTn id="4" fill="hold">
+                            <p:stCondLst>
+                              <p:cond delay="0"/>
+                            </p:stCondLst>
+                            <p:childTnLst>
+                              <p:par>
+                                <p:cTn id="5" presetID="1" presetClass="entr" presetSubtype="0" fill="hold" nodeType="clickEffect">
+                                  <p:stCondLst>
+                                    <p:cond delay="0"/>
+                                  </p:stCondLst>
+                                  <p:childTnLst>
+                                    <p:set>
+                                      <p:cBhvr>
+                                        <p:cTn id="6" dur="1" fill="hold">
+                                          <p:stCondLst>
+                                            <p:cond delay="0"/>
+                                          </p:stCondLst>
+                                        </p:cTn>
+                                        <p:tgtEl>
+                                          <p:spTgt spid="3">
+                                            <p:txEl>
+                                              <p:pRg st="2" end="2"/>
+                                            </p:txEl>
+                                          </p:spTgt>
+                                        </p:tgtEl>
+                                        <p:attrNameLst>
+                                          <p:attrName>style.visibility</p:attrName>
+                                        </p:attrNameLst>
+                                      </p:cBhvr>
+                                      <p:to>
+                                        <p:strVal val="visible"/>
+                                      </p:to>
+                                    </p:set>
+                                  </p:childTnLst>
+                                </p:cTn>
+                              </p:par>
+                            </p:childTnLst>
+                          </p:cTn>
+                        </p:par>
+                      </p:childTnLst>
+                    </p:cTn>
+                  </p:par>
+                  <p:par>
+                    <p:cTn id="7" fill="hold">
+                      <p:stCondLst>
+                        <p:cond delay="indefinite"/>
+                      </p:stCondLst>
+                      <p:childTnLst>
+                        <p:par>
+                          <p:cTn id="8" fill="hold">
+                            <p:stCondLst>
+                              <p:cond delay="0"/>
+                            </p:stCondLst>
+                            <p:childTnLst>
+                              <p:par>
+                                <p:cTn id="9" presetID="1" presetClass="entr" presetSubtype="0" fill="hold" nodeType="clickEffect">
+                                  <p:stCondLst>
+                                    <p:cond delay="0"/>
+                                  </p:stCondLst>
+                                  <p:childTnLst>
+                                    <p:set>
+                                      <p:cBhvr>
+                                        <p:cTn id="10" dur="1" fill="hold">
+                                          <p:stCondLst>
+                                            <p:cond delay="0"/>
+                                          </p:stCondLst>
+                                        </p:cTn>
+                                        <p:tgtEl>
+                                          <p:spTgt spid="3">
+                                            <p:txEl>
+                                              <p:pRg st="4" end="4"/>
+                                            </p:txEl>
+                                          </p:spTgt>
+                                        </p:tgtEl>
+                                        <p:attrNameLst>
+                                          <p:attrName>style.visibility</p:attrName>
+                                        </p:attrNameLst>
+                                      </p:cBhvr>
+                                      <p:to>
+                                        <p:strVal val="visible"/>
+                                      </p:to>
+                                    </p:set>
+                                  </p:childTnLst>
+                                </p:cTn>
+                              </p:par>
+                              <p:par>
+                                <p:cTn id="11" presetID="1" presetClass="entr" presetSubtype="0" fill="hold" nodeType="withEffect">
+                                  <p:stCondLst>
+                                    <p:cond delay="0"/>
+                                  </p:stCondLst>
+                                  <p:childTnLst>
+                                    <p:set>
+                                      <p:cBhvr>
+                                        <p:cTn id="12" dur="1" fill="hold">
+                                          <p:stCondLst>
+                                            <p:cond delay="0"/>
+                                          </p:stCondLst>
+                                        </p:cTn>
+                                        <p:tgtEl>
+                                          <p:spTgt spid="3">
+                                            <p:txEl>
+                                              <p:pRg st="5" end="5"/>
+                                            </p:txEl>
+                                          </p:spTgt>
+                                        </p:tgtEl>
+                                        <p:attrNameLst>
+                                          <p:attrName>style.visibility</p:attrName>
+                                        </p:attrNameLst>
+                                      </p:cBhvr>
+                                      <p:to>
+                                        <p:strVal val="visible"/>
+                                      </p:to>
+                                    </p:set>
+                                  </p:childTnLst>
+                                </p:cTn>
+                              </p:par>
+                              <p:par>
+                                <p:cTn id="13" presetID="1" presetClass="entr" presetSubtype="0" fill="hold" nodeType="withEffect">
+                                  <p:stCondLst>
+                                    <p:cond delay="0"/>
+                                  </p:stCondLst>
+                                  <p:childTnLst>
+                                    <p:set>
+                                      <p:cBhvr>
+                                        <p:cTn id="14" dur="1" fill="hold">
+                                          <p:stCondLst>
+                                            <p:cond delay="0"/>
+                                          </p:stCondLst>
+                                        </p:cTn>
+                                        <p:tgtEl>
+                                          <p:spTgt spid="3">
+                                            <p:txEl>
+                                              <p:pRg st="6" end="6"/>
+                                            </p:txEl>
+                                          </p:spTgt>
+                                        </p:tgtEl>
+                                        <p:attrNameLst>
+                                          <p:attrName>style.visibility</p:attrName>
+                                        </p:attrNameLst>
+                                      </p:cBhvr>
+                                      <p:to>
+                                        <p:strVal val="visible"/>
+                                      </p:to>
+                                    </p:set>
+                                  </p:childTnLst>
+                                </p:cTn>
+                              </p:par>
+                              <p:par>
+                                <p:cTn id="15" presetID="1" presetClass="entr" presetSubtype="0" fill="hold" nodeType="withEffect">
+                                  <p:stCondLst>
+                                    <p:cond delay="0"/>
+                                  </p:stCondLst>
+                                  <p:childTnLst>
+                                    <p:set>
+                                      <p:cBhvr>
+                                        <p:cTn id="16" dur="1" fill="hold">
+                                          <p:stCondLst>
+                                            <p:cond delay="0"/>
+                                          </p:stCondLst>
+                                        </p:cTn>
+                                        <p:tgtEl>
+                                          <p:spTgt spid="3">
+                                            <p:txEl>
+                                              <p:pRg st="7" end="7"/>
+                                            </p:txEl>
+                                          </p:spTgt>
+                                        </p:tgtEl>
+                                        <p:attrNameLst>
+                                          <p:attrName>style.visibility</p:attrName>
+                                        </p:attrNameLst>
+                                      </p:cBhvr>
+                                      <p:to>
+                                        <p:strVal val="visible"/>
+                                      </p:to>
+                                    </p:set>
+                                  </p:childTnLst>
+                                </p:cTn>
+                              </p:par>
+                              <p:par>
+                                <p:cTn id="17" presetID="1" presetClass="entr" presetSubtype="0" fill="hold" nodeType="withEffect">
+                                  <p:stCondLst>
+                                    <p:cond delay="0"/>
+                                  </p:stCondLst>
+                                  <p:childTnLst>
+                                    <p:set>
+                                      <p:cBhvr>
+                                        <p:cTn id="18" dur="1" fill="hold">
+                                          <p:stCondLst>
+                                            <p:cond delay="0"/>
+                                          </p:stCondLst>
+                                        </p:cTn>
+                                        <p:tgtEl>
+                                          <p:spTgt spid="3">
+                                            <p:txEl>
+                                              <p:pRg st="8" end="8"/>
+                                            </p:txEl>
+                                          </p:spTgt>
+                                        </p:tgtEl>
+                                        <p:attrNameLst>
+                                          <p:attrName>style.visibility</p:attrName>
+                                        </p:attrNameLst>
+                                      </p:cBhvr>
+                                      <p:to>
+                                        <p:strVal val="visible"/>
+                                      </p:to>
+                                    </p:set>
+                                  </p:childTnLst>
+                                </p:cTn>
+                              </p:par>
+                            </p:childTnLst>
+                          </p:cTn>
+                        </p:par>
+                      </p:childTnLst>
+                    </p:cTn>
+                  </p:par>
+                </p:childTnLst>
+              </p:cTn>
+              <p:prevCondLst>
+                <p:cond evt="onPrev" delay="0">
+                  <p:tgtEl>
+                    <p:sldTgt/>
+                  </p:tgtEl>
+                </p:cond>
+              </p:prevCondLst>
+              <p:nextCondLst>
+                <p:cond evt="onNext" delay="0">
+                  <p:tgtEl>
+                    <p:sldTgt/>
+                  </p:tgtEl>
+                </p:cond>
+              </p:nextCondLst>
+            </p:seq>
+          </p:childTnLst>
+        </p:cTn>
+      </p:par>
+    </p:tnLst>
+  </p:timing>
 </p:sld>
 </file>
 
@@ -10583,6 +11562,351 @@
   <p:clrMapOvr>
     <a:masterClrMapping/>
   </p:clrMapOvr>
+  <p:timing>
+    <p:tnLst>
+      <p:par>
+        <p:cTn id="1" dur="indefinite" restart="never" nodeType="tmRoot">
+          <p:childTnLst>
+            <p:seq concurrent="1" nextAc="seek">
+              <p:cTn id="2" dur="indefinite" nodeType="mainSeq">
+                <p:childTnLst>
+                  <p:par>
+                    <p:cTn id="3" fill="hold">
+                      <p:stCondLst>
+                        <p:cond delay="indefinite"/>
+                      </p:stCondLst>
+                      <p:childTnLst>
+                        <p:par>
+                          <p:cTn id="4" fill="hold">
+                            <p:stCondLst>
+                              <p:cond delay="0"/>
+                            </p:stCondLst>
+                            <p:childTnLst>
+                              <p:par>
+                                <p:cTn id="5" presetID="1" presetClass="entr" presetSubtype="0" fill="hold" nodeType="clickEffect">
+                                  <p:stCondLst>
+                                    <p:cond delay="0"/>
+                                  </p:stCondLst>
+                                  <p:childTnLst>
+                                    <p:set>
+                                      <p:cBhvr>
+                                        <p:cTn id="6" dur="1" fill="hold">
+                                          <p:stCondLst>
+                                            <p:cond delay="0"/>
+                                          </p:stCondLst>
+                                        </p:cTn>
+                                        <p:tgtEl>
+                                          <p:spTgt spid="3">
+                                            <p:txEl>
+                                              <p:pRg st="2" end="2"/>
+                                            </p:txEl>
+                                          </p:spTgt>
+                                        </p:tgtEl>
+                                        <p:attrNameLst>
+                                          <p:attrName>style.visibility</p:attrName>
+                                        </p:attrNameLst>
+                                      </p:cBhvr>
+                                      <p:to>
+                                        <p:strVal val="visible"/>
+                                      </p:to>
+                                    </p:set>
+                                  </p:childTnLst>
+                                </p:cTn>
+                              </p:par>
+                              <p:par>
+                                <p:cTn id="7" presetID="1" presetClass="entr" presetSubtype="0" fill="hold" nodeType="withEffect">
+                                  <p:stCondLst>
+                                    <p:cond delay="0"/>
+                                  </p:stCondLst>
+                                  <p:childTnLst>
+                                    <p:set>
+                                      <p:cBhvr>
+                                        <p:cTn id="8" dur="1" fill="hold">
+                                          <p:stCondLst>
+                                            <p:cond delay="0"/>
+                                          </p:stCondLst>
+                                        </p:cTn>
+                                        <p:tgtEl>
+                                          <p:spTgt spid="3">
+                                            <p:txEl>
+                                              <p:pRg st="3" end="3"/>
+                                            </p:txEl>
+                                          </p:spTgt>
+                                        </p:tgtEl>
+                                        <p:attrNameLst>
+                                          <p:attrName>style.visibility</p:attrName>
+                                        </p:attrNameLst>
+                                      </p:cBhvr>
+                                      <p:to>
+                                        <p:strVal val="visible"/>
+                                      </p:to>
+                                    </p:set>
+                                  </p:childTnLst>
+                                </p:cTn>
+                              </p:par>
+                              <p:par>
+                                <p:cTn id="9" presetID="1" presetClass="entr" presetSubtype="0" fill="hold" nodeType="withEffect">
+                                  <p:stCondLst>
+                                    <p:cond delay="0"/>
+                                  </p:stCondLst>
+                                  <p:childTnLst>
+                                    <p:set>
+                                      <p:cBhvr>
+                                        <p:cTn id="10" dur="1" fill="hold">
+                                          <p:stCondLst>
+                                            <p:cond delay="0"/>
+                                          </p:stCondLst>
+                                        </p:cTn>
+                                        <p:tgtEl>
+                                          <p:spTgt spid="3">
+                                            <p:txEl>
+                                              <p:pRg st="4" end="4"/>
+                                            </p:txEl>
+                                          </p:spTgt>
+                                        </p:tgtEl>
+                                        <p:attrNameLst>
+                                          <p:attrName>style.visibility</p:attrName>
+                                        </p:attrNameLst>
+                                      </p:cBhvr>
+                                      <p:to>
+                                        <p:strVal val="visible"/>
+                                      </p:to>
+                                    </p:set>
+                                  </p:childTnLst>
+                                </p:cTn>
+                              </p:par>
+                              <p:par>
+                                <p:cTn id="11" presetID="1" presetClass="entr" presetSubtype="0" fill="hold" nodeType="withEffect">
+                                  <p:stCondLst>
+                                    <p:cond delay="0"/>
+                                  </p:stCondLst>
+                                  <p:childTnLst>
+                                    <p:set>
+                                      <p:cBhvr>
+                                        <p:cTn id="12" dur="1" fill="hold">
+                                          <p:stCondLst>
+                                            <p:cond delay="0"/>
+                                          </p:stCondLst>
+                                        </p:cTn>
+                                        <p:tgtEl>
+                                          <p:spTgt spid="3">
+                                            <p:txEl>
+                                              <p:pRg st="5" end="5"/>
+                                            </p:txEl>
+                                          </p:spTgt>
+                                        </p:tgtEl>
+                                        <p:attrNameLst>
+                                          <p:attrName>style.visibility</p:attrName>
+                                        </p:attrNameLst>
+                                      </p:cBhvr>
+                                      <p:to>
+                                        <p:strVal val="visible"/>
+                                      </p:to>
+                                    </p:set>
+                                  </p:childTnLst>
+                                </p:cTn>
+                              </p:par>
+                              <p:par>
+                                <p:cTn id="13" presetID="1" presetClass="entr" presetSubtype="0" fill="hold" nodeType="withEffect">
+                                  <p:stCondLst>
+                                    <p:cond delay="0"/>
+                                  </p:stCondLst>
+                                  <p:childTnLst>
+                                    <p:set>
+                                      <p:cBhvr>
+                                        <p:cTn id="14" dur="1" fill="hold">
+                                          <p:stCondLst>
+                                            <p:cond delay="0"/>
+                                          </p:stCondLst>
+                                        </p:cTn>
+                                        <p:tgtEl>
+                                          <p:spTgt spid="3">
+                                            <p:txEl>
+                                              <p:pRg st="6" end="6"/>
+                                            </p:txEl>
+                                          </p:spTgt>
+                                        </p:tgtEl>
+                                        <p:attrNameLst>
+                                          <p:attrName>style.visibility</p:attrName>
+                                        </p:attrNameLst>
+                                      </p:cBhvr>
+                                      <p:to>
+                                        <p:strVal val="visible"/>
+                                      </p:to>
+                                    </p:set>
+                                  </p:childTnLst>
+                                </p:cTn>
+                              </p:par>
+                            </p:childTnLst>
+                          </p:cTn>
+                        </p:par>
+                      </p:childTnLst>
+                    </p:cTn>
+                  </p:par>
+                  <p:par>
+                    <p:cTn id="15" fill="hold">
+                      <p:stCondLst>
+                        <p:cond delay="indefinite"/>
+                      </p:stCondLst>
+                      <p:childTnLst>
+                        <p:par>
+                          <p:cTn id="16" fill="hold">
+                            <p:stCondLst>
+                              <p:cond delay="0"/>
+                            </p:stCondLst>
+                            <p:childTnLst>
+                              <p:par>
+                                <p:cTn id="17" presetID="1" presetClass="entr" presetSubtype="0" fill="hold" nodeType="clickEffect">
+                                  <p:stCondLst>
+                                    <p:cond delay="0"/>
+                                  </p:stCondLst>
+                                  <p:childTnLst>
+                                    <p:set>
+                                      <p:cBhvr>
+                                        <p:cTn id="18" dur="1" fill="hold">
+                                          <p:stCondLst>
+                                            <p:cond delay="0"/>
+                                          </p:stCondLst>
+                                        </p:cTn>
+                                        <p:tgtEl>
+                                          <p:spTgt spid="3">
+                                            <p:txEl>
+                                              <p:pRg st="8" end="8"/>
+                                            </p:txEl>
+                                          </p:spTgt>
+                                        </p:tgtEl>
+                                        <p:attrNameLst>
+                                          <p:attrName>style.visibility</p:attrName>
+                                        </p:attrNameLst>
+                                      </p:cBhvr>
+                                      <p:to>
+                                        <p:strVal val="visible"/>
+                                      </p:to>
+                                    </p:set>
+                                  </p:childTnLst>
+                                </p:cTn>
+                              </p:par>
+                              <p:par>
+                                <p:cTn id="19" presetID="1" presetClass="entr" presetSubtype="0" fill="hold" nodeType="withEffect">
+                                  <p:stCondLst>
+                                    <p:cond delay="0"/>
+                                  </p:stCondLst>
+                                  <p:childTnLst>
+                                    <p:set>
+                                      <p:cBhvr>
+                                        <p:cTn id="20" dur="1" fill="hold">
+                                          <p:stCondLst>
+                                            <p:cond delay="0"/>
+                                          </p:stCondLst>
+                                        </p:cTn>
+                                        <p:tgtEl>
+                                          <p:spTgt spid="3">
+                                            <p:txEl>
+                                              <p:pRg st="9" end="9"/>
+                                            </p:txEl>
+                                          </p:spTgt>
+                                        </p:tgtEl>
+                                        <p:attrNameLst>
+                                          <p:attrName>style.visibility</p:attrName>
+                                        </p:attrNameLst>
+                                      </p:cBhvr>
+                                      <p:to>
+                                        <p:strVal val="visible"/>
+                                      </p:to>
+                                    </p:set>
+                                  </p:childTnLst>
+                                </p:cTn>
+                              </p:par>
+                              <p:par>
+                                <p:cTn id="21" presetID="1" presetClass="entr" presetSubtype="0" fill="hold" nodeType="withEffect">
+                                  <p:stCondLst>
+                                    <p:cond delay="0"/>
+                                  </p:stCondLst>
+                                  <p:childTnLst>
+                                    <p:set>
+                                      <p:cBhvr>
+                                        <p:cTn id="22" dur="1" fill="hold">
+                                          <p:stCondLst>
+                                            <p:cond delay="0"/>
+                                          </p:stCondLst>
+                                        </p:cTn>
+                                        <p:tgtEl>
+                                          <p:spTgt spid="3">
+                                            <p:txEl>
+                                              <p:pRg st="10" end="10"/>
+                                            </p:txEl>
+                                          </p:spTgt>
+                                        </p:tgtEl>
+                                        <p:attrNameLst>
+                                          <p:attrName>style.visibility</p:attrName>
+                                        </p:attrNameLst>
+                                      </p:cBhvr>
+                                      <p:to>
+                                        <p:strVal val="visible"/>
+                                      </p:to>
+                                    </p:set>
+                                  </p:childTnLst>
+                                </p:cTn>
+                              </p:par>
+                              <p:par>
+                                <p:cTn id="23" presetID="1" presetClass="entr" presetSubtype="0" fill="hold" nodeType="withEffect">
+                                  <p:stCondLst>
+                                    <p:cond delay="0"/>
+                                  </p:stCondLst>
+                                  <p:childTnLst>
+                                    <p:set>
+                                      <p:cBhvr>
+                                        <p:cTn id="24" dur="1" fill="hold">
+                                          <p:stCondLst>
+                                            <p:cond delay="0"/>
+                                          </p:stCondLst>
+                                        </p:cTn>
+                                        <p:tgtEl>
+                                          <p:spTgt spid="3">
+                                            <p:txEl>
+                                              <p:pRg st="11" end="11"/>
+                                            </p:txEl>
+                                          </p:spTgt>
+                                        </p:tgtEl>
+                                        <p:attrNameLst>
+                                          <p:attrName>style.visibility</p:attrName>
+                                        </p:attrNameLst>
+                                      </p:cBhvr>
+                                      <p:to>
+                                        <p:strVal val="visible"/>
+                                      </p:to>
+                                    </p:set>
+                                  </p:childTnLst>
+                                </p:cTn>
+                              </p:par>
+                            </p:childTnLst>
+                          </p:cTn>
+                        </p:par>
+                      </p:childTnLst>
+                    </p:cTn>
+                  </p:par>
+                </p:childTnLst>
+              </p:cTn>
+              <p:prevCondLst>
+                <p:cond evt="onPrev" delay="0">
+                  <p:tgtEl>
+                    <p:sldTgt/>
+                  </p:tgtEl>
+                </p:cond>
+              </p:prevCondLst>
+              <p:nextCondLst>
+                <p:cond evt="onNext" delay="0">
+                  <p:tgtEl>
+                    <p:sldTgt/>
+                  </p:tgtEl>
+                </p:cond>
+              </p:nextCondLst>
+            </p:seq>
+          </p:childTnLst>
+        </p:cTn>
+      </p:par>
+    </p:tnLst>
+  </p:timing>
 </p:sld>
 </file>
 
@@ -11206,7 +12530,7 @@
         </p:nvSpPr>
         <p:spPr>
           <a:xfrm>
-            <a:off x="838200" y="1825625"/>
+            <a:off x="930965" y="1905138"/>
             <a:ext cx="10515600" cy="4351338"/>
           </a:xfrm>
         </p:spPr>
@@ -11512,6 +12836,382 @@
   <p:clrMapOvr>
     <a:masterClrMapping/>
   </p:clrMapOvr>
+  <p:timing>
+    <p:tnLst>
+      <p:par>
+        <p:cTn id="1" dur="indefinite" restart="never" nodeType="tmRoot">
+          <p:childTnLst>
+            <p:seq concurrent="1" nextAc="seek">
+              <p:cTn id="2" dur="indefinite" nodeType="mainSeq">
+                <p:childTnLst>
+                  <p:par>
+                    <p:cTn id="3" fill="hold">
+                      <p:stCondLst>
+                        <p:cond delay="indefinite"/>
+                      </p:stCondLst>
+                      <p:childTnLst>
+                        <p:par>
+                          <p:cTn id="4" fill="hold">
+                            <p:stCondLst>
+                              <p:cond delay="0"/>
+                            </p:stCondLst>
+                            <p:childTnLst>
+                              <p:par>
+                                <p:cTn id="5" presetID="1" presetClass="entr" presetSubtype="0" fill="hold" nodeType="clickEffect">
+                                  <p:stCondLst>
+                                    <p:cond delay="0"/>
+                                  </p:stCondLst>
+                                  <p:childTnLst>
+                                    <p:set>
+                                      <p:cBhvr>
+                                        <p:cTn id="6" dur="1" fill="hold">
+                                          <p:stCondLst>
+                                            <p:cond delay="0"/>
+                                          </p:stCondLst>
+                                        </p:cTn>
+                                        <p:tgtEl>
+                                          <p:spTgt spid="3">
+                                            <p:txEl>
+                                              <p:pRg st="2" end="2"/>
+                                            </p:txEl>
+                                          </p:spTgt>
+                                        </p:tgtEl>
+                                        <p:attrNameLst>
+                                          <p:attrName>style.visibility</p:attrName>
+                                        </p:attrNameLst>
+                                      </p:cBhvr>
+                                      <p:to>
+                                        <p:strVal val="visible"/>
+                                      </p:to>
+                                    </p:set>
+                                  </p:childTnLst>
+                                </p:cTn>
+                              </p:par>
+                              <p:par>
+                                <p:cTn id="7" presetID="1" presetClass="entr" presetSubtype="0" fill="hold" nodeType="withEffect">
+                                  <p:stCondLst>
+                                    <p:cond delay="0"/>
+                                  </p:stCondLst>
+                                  <p:childTnLst>
+                                    <p:set>
+                                      <p:cBhvr>
+                                        <p:cTn id="8" dur="1" fill="hold">
+                                          <p:stCondLst>
+                                            <p:cond delay="0"/>
+                                          </p:stCondLst>
+                                        </p:cTn>
+                                        <p:tgtEl>
+                                          <p:spTgt spid="3">
+                                            <p:txEl>
+                                              <p:pRg st="3" end="3"/>
+                                            </p:txEl>
+                                          </p:spTgt>
+                                        </p:tgtEl>
+                                        <p:attrNameLst>
+                                          <p:attrName>style.visibility</p:attrName>
+                                        </p:attrNameLst>
+                                      </p:cBhvr>
+                                      <p:to>
+                                        <p:strVal val="visible"/>
+                                      </p:to>
+                                    </p:set>
+                                  </p:childTnLst>
+                                </p:cTn>
+                              </p:par>
+                              <p:par>
+                                <p:cTn id="9" presetID="1" presetClass="entr" presetSubtype="0" fill="hold" nodeType="withEffect">
+                                  <p:stCondLst>
+                                    <p:cond delay="0"/>
+                                  </p:stCondLst>
+                                  <p:childTnLst>
+                                    <p:set>
+                                      <p:cBhvr>
+                                        <p:cTn id="10" dur="1" fill="hold">
+                                          <p:stCondLst>
+                                            <p:cond delay="0"/>
+                                          </p:stCondLst>
+                                        </p:cTn>
+                                        <p:tgtEl>
+                                          <p:spTgt spid="3">
+                                            <p:txEl>
+                                              <p:pRg st="4" end="4"/>
+                                            </p:txEl>
+                                          </p:spTgt>
+                                        </p:tgtEl>
+                                        <p:attrNameLst>
+                                          <p:attrName>style.visibility</p:attrName>
+                                        </p:attrNameLst>
+                                      </p:cBhvr>
+                                      <p:to>
+                                        <p:strVal val="visible"/>
+                                      </p:to>
+                                    </p:set>
+                                  </p:childTnLst>
+                                </p:cTn>
+                              </p:par>
+                              <p:par>
+                                <p:cTn id="11" presetID="1" presetClass="entr" presetSubtype="0" fill="hold" nodeType="withEffect">
+                                  <p:stCondLst>
+                                    <p:cond delay="0"/>
+                                  </p:stCondLst>
+                                  <p:childTnLst>
+                                    <p:set>
+                                      <p:cBhvr>
+                                        <p:cTn id="12" dur="1" fill="hold">
+                                          <p:stCondLst>
+                                            <p:cond delay="0"/>
+                                          </p:stCondLst>
+                                        </p:cTn>
+                                        <p:tgtEl>
+                                          <p:spTgt spid="3">
+                                            <p:txEl>
+                                              <p:pRg st="5" end="5"/>
+                                            </p:txEl>
+                                          </p:spTgt>
+                                        </p:tgtEl>
+                                        <p:attrNameLst>
+                                          <p:attrName>style.visibility</p:attrName>
+                                        </p:attrNameLst>
+                                      </p:cBhvr>
+                                      <p:to>
+                                        <p:strVal val="visible"/>
+                                      </p:to>
+                                    </p:set>
+                                  </p:childTnLst>
+                                </p:cTn>
+                              </p:par>
+                              <p:par>
+                                <p:cTn id="13" presetID="1" presetClass="entr" presetSubtype="0" fill="hold" nodeType="withEffect">
+                                  <p:stCondLst>
+                                    <p:cond delay="0"/>
+                                  </p:stCondLst>
+                                  <p:childTnLst>
+                                    <p:set>
+                                      <p:cBhvr>
+                                        <p:cTn id="14" dur="1" fill="hold">
+                                          <p:stCondLst>
+                                            <p:cond delay="0"/>
+                                          </p:stCondLst>
+                                        </p:cTn>
+                                        <p:tgtEl>
+                                          <p:spTgt spid="3">
+                                            <p:txEl>
+                                              <p:pRg st="6" end="6"/>
+                                            </p:txEl>
+                                          </p:spTgt>
+                                        </p:tgtEl>
+                                        <p:attrNameLst>
+                                          <p:attrName>style.visibility</p:attrName>
+                                        </p:attrNameLst>
+                                      </p:cBhvr>
+                                      <p:to>
+                                        <p:strVal val="visible"/>
+                                      </p:to>
+                                    </p:set>
+                                  </p:childTnLst>
+                                </p:cTn>
+                              </p:par>
+                              <p:par>
+                                <p:cTn id="15" presetID="1" presetClass="entr" presetSubtype="0" fill="hold" nodeType="withEffect">
+                                  <p:stCondLst>
+                                    <p:cond delay="0"/>
+                                  </p:stCondLst>
+                                  <p:childTnLst>
+                                    <p:set>
+                                      <p:cBhvr>
+                                        <p:cTn id="16" dur="1" fill="hold">
+                                          <p:stCondLst>
+                                            <p:cond delay="0"/>
+                                          </p:stCondLst>
+                                        </p:cTn>
+                                        <p:tgtEl>
+                                          <p:spTgt spid="3">
+                                            <p:txEl>
+                                              <p:pRg st="7" end="7"/>
+                                            </p:txEl>
+                                          </p:spTgt>
+                                        </p:tgtEl>
+                                        <p:attrNameLst>
+                                          <p:attrName>style.visibility</p:attrName>
+                                        </p:attrNameLst>
+                                      </p:cBhvr>
+                                      <p:to>
+                                        <p:strVal val="visible"/>
+                                      </p:to>
+                                    </p:set>
+                                  </p:childTnLst>
+                                </p:cTn>
+                              </p:par>
+                            </p:childTnLst>
+                          </p:cTn>
+                        </p:par>
+                      </p:childTnLst>
+                    </p:cTn>
+                  </p:par>
+                  <p:par>
+                    <p:cTn id="17" fill="hold">
+                      <p:stCondLst>
+                        <p:cond delay="indefinite"/>
+                      </p:stCondLst>
+                      <p:childTnLst>
+                        <p:par>
+                          <p:cTn id="18" fill="hold">
+                            <p:stCondLst>
+                              <p:cond delay="0"/>
+                            </p:stCondLst>
+                            <p:childTnLst>
+                              <p:par>
+                                <p:cTn id="19" presetID="1" presetClass="entr" presetSubtype="0" fill="hold" nodeType="clickEffect">
+                                  <p:stCondLst>
+                                    <p:cond delay="0"/>
+                                  </p:stCondLst>
+                                  <p:childTnLst>
+                                    <p:set>
+                                      <p:cBhvr>
+                                        <p:cTn id="20" dur="1" fill="hold">
+                                          <p:stCondLst>
+                                            <p:cond delay="0"/>
+                                          </p:stCondLst>
+                                        </p:cTn>
+                                        <p:tgtEl>
+                                          <p:spTgt spid="3">
+                                            <p:txEl>
+                                              <p:pRg st="9" end="9"/>
+                                            </p:txEl>
+                                          </p:spTgt>
+                                        </p:tgtEl>
+                                        <p:attrNameLst>
+                                          <p:attrName>style.visibility</p:attrName>
+                                        </p:attrNameLst>
+                                      </p:cBhvr>
+                                      <p:to>
+                                        <p:strVal val="visible"/>
+                                      </p:to>
+                                    </p:set>
+                                  </p:childTnLst>
+                                </p:cTn>
+                              </p:par>
+                              <p:par>
+                                <p:cTn id="21" presetID="1" presetClass="entr" presetSubtype="0" fill="hold" nodeType="withEffect">
+                                  <p:stCondLst>
+                                    <p:cond delay="0"/>
+                                  </p:stCondLst>
+                                  <p:childTnLst>
+                                    <p:set>
+                                      <p:cBhvr>
+                                        <p:cTn id="22" dur="1" fill="hold">
+                                          <p:stCondLst>
+                                            <p:cond delay="0"/>
+                                          </p:stCondLst>
+                                        </p:cTn>
+                                        <p:tgtEl>
+                                          <p:spTgt spid="3">
+                                            <p:txEl>
+                                              <p:pRg st="10" end="10"/>
+                                            </p:txEl>
+                                          </p:spTgt>
+                                        </p:tgtEl>
+                                        <p:attrNameLst>
+                                          <p:attrName>style.visibility</p:attrName>
+                                        </p:attrNameLst>
+                                      </p:cBhvr>
+                                      <p:to>
+                                        <p:strVal val="visible"/>
+                                      </p:to>
+                                    </p:set>
+                                  </p:childTnLst>
+                                </p:cTn>
+                              </p:par>
+                              <p:par>
+                                <p:cTn id="23" presetID="1" presetClass="entr" presetSubtype="0" fill="hold" nodeType="withEffect">
+                                  <p:stCondLst>
+                                    <p:cond delay="0"/>
+                                  </p:stCondLst>
+                                  <p:childTnLst>
+                                    <p:set>
+                                      <p:cBhvr>
+                                        <p:cTn id="24" dur="1" fill="hold">
+                                          <p:stCondLst>
+                                            <p:cond delay="0"/>
+                                          </p:stCondLst>
+                                        </p:cTn>
+                                        <p:tgtEl>
+                                          <p:spTgt spid="3">
+                                            <p:txEl>
+                                              <p:pRg st="11" end="11"/>
+                                            </p:txEl>
+                                          </p:spTgt>
+                                        </p:tgtEl>
+                                        <p:attrNameLst>
+                                          <p:attrName>style.visibility</p:attrName>
+                                        </p:attrNameLst>
+                                      </p:cBhvr>
+                                      <p:to>
+                                        <p:strVal val="visible"/>
+                                      </p:to>
+                                    </p:set>
+                                  </p:childTnLst>
+                                </p:cTn>
+                              </p:par>
+                              <p:par>
+                                <p:cTn id="25" presetID="1" presetClass="entr" presetSubtype="0" fill="hold" nodeType="withEffect">
+                                  <p:stCondLst>
+                                    <p:cond delay="0"/>
+                                  </p:stCondLst>
+                                  <p:childTnLst>
+                                    <p:set>
+                                      <p:cBhvr>
+                                        <p:cTn id="26" dur="1" fill="hold">
+                                          <p:stCondLst>
+                                            <p:cond delay="0"/>
+                                          </p:stCondLst>
+                                        </p:cTn>
+                                        <p:tgtEl>
+                                          <p:spTgt spid="3">
+                                            <p:txEl>
+                                              <p:pRg st="12" end="12"/>
+                                            </p:txEl>
+                                          </p:spTgt>
+                                        </p:tgtEl>
+                                        <p:attrNameLst>
+                                          <p:attrName>style.visibility</p:attrName>
+                                        </p:attrNameLst>
+                                      </p:cBhvr>
+                                      <p:to>
+                                        <p:strVal val="visible"/>
+                                      </p:to>
+                                    </p:set>
+                                  </p:childTnLst>
+                                </p:cTn>
+                              </p:par>
+                            </p:childTnLst>
+                          </p:cTn>
+                        </p:par>
+                      </p:childTnLst>
+                    </p:cTn>
+                  </p:par>
+                </p:childTnLst>
+              </p:cTn>
+              <p:prevCondLst>
+                <p:cond evt="onPrev" delay="0">
+                  <p:tgtEl>
+                    <p:sldTgt/>
+                  </p:tgtEl>
+                </p:cond>
+              </p:prevCondLst>
+              <p:nextCondLst>
+                <p:cond evt="onNext" delay="0">
+                  <p:tgtEl>
+                    <p:sldTgt/>
+                  </p:tgtEl>
+                </p:cond>
+              </p:nextCondLst>
+            </p:seq>
+          </p:childTnLst>
+        </p:cTn>
+      </p:par>
+    </p:tnLst>
+  </p:timing>
 </p:sld>
 </file>
 
@@ -11811,18 +13511,18 @@
 </file>
 
 <file path=customXml/item1.xml><?xml version="1.0" encoding="utf-8"?>
-<p:properties xmlns:p="http://schemas.microsoft.com/office/2006/metadata/properties" xmlns:xsi="http://www.w3.org/2001/XMLSchema-instance" xmlns:pc="http://schemas.microsoft.com/office/infopath/2007/PartnerControls">
-  <documentManagement/>
-</p:properties>
-</file>
-
-<file path=customXml/item2.xml><?xml version="1.0" encoding="utf-8"?>
 <?mso-contentType ?>
 <FormTemplates xmlns="http://schemas.microsoft.com/sharepoint/v3/contenttype/forms">
   <Display>DocumentLibraryForm</Display>
   <Edit>DocumentLibraryForm</Edit>
   <New>DocumentLibraryForm</New>
 </FormTemplates>
+</file>
+
+<file path=customXml/item2.xml><?xml version="1.0" encoding="utf-8"?>
+<p:properties xmlns:p="http://schemas.microsoft.com/office/2006/metadata/properties" xmlns:xsi="http://www.w3.org/2001/XMLSchema-instance" xmlns:pc="http://schemas.microsoft.com/office/infopath/2007/PartnerControls">
+  <documentManagement/>
+</p:properties>
 </file>
 
 <file path=customXml/item3.xml><?xml version="1.0" encoding="utf-8"?>
@@ -11996,18 +13696,18 @@
 </file>
 
 <file path=customXml/itemProps1.xml><?xml version="1.0" encoding="utf-8"?>
-<ds:datastoreItem xmlns:ds="http://schemas.openxmlformats.org/officeDocument/2006/customXml" ds:itemID="{AC1B37F0-027E-44D2-BE3E-5562385FFADC}">
+<ds:datastoreItem xmlns:ds="http://schemas.openxmlformats.org/officeDocument/2006/customXml" ds:itemID="{2A9522E5-0C58-46F4-9625-D3BB5CE642A4}">
   <ds:schemaRefs>
-    <ds:schemaRef ds:uri="http://schemas.microsoft.com/office/2006/metadata/properties"/>
-    <ds:schemaRef ds:uri="http://schemas.microsoft.com/office/infopath/2007/PartnerControls"/>
+    <ds:schemaRef ds:uri="http://schemas.microsoft.com/sharepoint/v3/contenttype/forms"/>
   </ds:schemaRefs>
 </ds:datastoreItem>
 </file>
 
 <file path=customXml/itemProps2.xml><?xml version="1.0" encoding="utf-8"?>
-<ds:datastoreItem xmlns:ds="http://schemas.openxmlformats.org/officeDocument/2006/customXml" ds:itemID="{2A9522E5-0C58-46F4-9625-D3BB5CE642A4}">
+<ds:datastoreItem xmlns:ds="http://schemas.openxmlformats.org/officeDocument/2006/customXml" ds:itemID="{AC1B37F0-027E-44D2-BE3E-5562385FFADC}">
   <ds:schemaRefs>
-    <ds:schemaRef ds:uri="http://schemas.microsoft.com/sharepoint/v3/contenttype/forms"/>
+    <ds:schemaRef ds:uri="http://schemas.microsoft.com/office/2006/metadata/properties"/>
+    <ds:schemaRef ds:uri="http://schemas.microsoft.com/office/infopath/2007/PartnerControls"/>
   </ds:schemaRefs>
 </ds:datastoreItem>
 </file>

--- a/Uke 5/Uke5-Presentasjon.pptx
+++ b/Uke 5/Uke5-Presentasjon.pptx
@@ -151,7 +151,7 @@
   <pc:docChgLst>
     <pc:chgData name="Aizan Magomadova" userId="b3d38ecc-02a7-4810-ad44-0e9f513517c5" providerId="ADAL" clId="{1617E89F-D49F-43E8-8D39-B667441CA105}"/>
     <pc:docChg chg="undo custSel addSld delSld modSld sldOrd">
-      <pc:chgData name="Aizan Magomadova" userId="b3d38ecc-02a7-4810-ad44-0e9f513517c5" providerId="ADAL" clId="{1617E89F-D49F-43E8-8D39-B667441CA105}" dt="2020-01-29T21:14:08.637" v="6226"/>
+      <pc:chgData name="Aizan Magomadova" userId="b3d38ecc-02a7-4810-ad44-0e9f513517c5" providerId="ADAL" clId="{1617E89F-D49F-43E8-8D39-B667441CA105}" dt="2020-02-05T13:58:23.189" v="6227" actId="368"/>
       <pc:docMkLst>
         <pc:docMk/>
       </pc:docMkLst>
@@ -486,7 +486,7 @@
         </pc:graphicFrameChg>
       </pc:sldChg>
       <pc:sldChg chg="modSp add">
-        <pc:chgData name="Aizan Magomadova" userId="b3d38ecc-02a7-4810-ad44-0e9f513517c5" providerId="ADAL" clId="{1617E89F-D49F-43E8-8D39-B667441CA105}" dt="2020-01-29T16:30:08.494" v="5542" actId="207"/>
+        <pc:chgData name="Aizan Magomadova" userId="b3d38ecc-02a7-4810-ad44-0e9f513517c5" providerId="ADAL" clId="{1617E89F-D49F-43E8-8D39-B667441CA105}" dt="2020-02-05T13:58:23.189" v="6227" actId="368"/>
         <pc:sldMkLst>
           <pc:docMk/>
           <pc:sldMk cId="2018860340" sldId="271"/>
@@ -500,7 +500,7 @@
           </ac:spMkLst>
         </pc:spChg>
         <pc:spChg chg="mod">
-          <ac:chgData name="Aizan Magomadova" userId="b3d38ecc-02a7-4810-ad44-0e9f513517c5" providerId="ADAL" clId="{1617E89F-D49F-43E8-8D39-B667441CA105}" dt="2020-01-29T16:30:08.494" v="5542" actId="207"/>
+          <ac:chgData name="Aizan Magomadova" userId="b3d38ecc-02a7-4810-ad44-0e9f513517c5" providerId="ADAL" clId="{1617E89F-D49F-43E8-8D39-B667441CA105}" dt="2020-02-05T13:58:23.189" v="6227" actId="368"/>
           <ac:spMkLst>
             <pc:docMk/>
             <pc:sldMk cId="2018860340" sldId="271"/>
@@ -762,21 +762,6 @@
           </ac:spMkLst>
         </pc:spChg>
       </pc:sldChg>
-      <pc:sldChg chg="modSp add del">
-        <pc:chgData name="Aizan Magomadova" userId="b3d38ecc-02a7-4810-ad44-0e9f513517c5" providerId="ADAL" clId="{1617E89F-D49F-43E8-8D39-B667441CA105}" dt="2020-01-29T12:15:00.048" v="5522" actId="2696"/>
-        <pc:sldMkLst>
-          <pc:docMk/>
-          <pc:sldMk cId="4025117181" sldId="281"/>
-        </pc:sldMkLst>
-        <pc:spChg chg="mod">
-          <ac:chgData name="Aizan Magomadova" userId="b3d38ecc-02a7-4810-ad44-0e9f513517c5" providerId="ADAL" clId="{1617E89F-D49F-43E8-8D39-B667441CA105}" dt="2020-01-29T12:14:51.438" v="5521" actId="20577"/>
-          <ac:spMkLst>
-            <pc:docMk/>
-            <pc:sldMk cId="4025117181" sldId="281"/>
-            <ac:spMk id="2" creationId="{D652BA00-A172-4ED5-9CFB-6CD90316DDFB}"/>
-          </ac:spMkLst>
-        </pc:spChg>
-      </pc:sldChg>
       <pc:sldChg chg="modSp add">
         <pc:chgData name="Aizan Magomadova" userId="b3d38ecc-02a7-4810-ad44-0e9f513517c5" providerId="ADAL" clId="{1617E89F-D49F-43E8-8D39-B667441CA105}" dt="2020-01-29T20:11:44.591" v="6179" actId="207"/>
         <pc:sldMkLst>
@@ -952,7 +937,7 @@
           <a:p>
             <a:fld id="{35BD86D1-51AC-4BC5-BD9D-BC894CD8CABF}" type="datetimeFigureOut">
               <a:rPr lang="nb-NO" smtClean="0"/>
-              <a:t>29.01.2020</a:t>
+              <a:t>05.02.2020</a:t>
             </a:fld>
             <a:endParaRPr lang="nb-NO"/>
           </a:p>
@@ -1150,7 +1135,7 @@
           <a:p>
             <a:fld id="{35BD86D1-51AC-4BC5-BD9D-BC894CD8CABF}" type="datetimeFigureOut">
               <a:rPr lang="nb-NO" smtClean="0"/>
-              <a:t>29.01.2020</a:t>
+              <a:t>05.02.2020</a:t>
             </a:fld>
             <a:endParaRPr lang="nb-NO"/>
           </a:p>
@@ -1358,7 +1343,7 @@
           <a:p>
             <a:fld id="{35BD86D1-51AC-4BC5-BD9D-BC894CD8CABF}" type="datetimeFigureOut">
               <a:rPr lang="nb-NO" smtClean="0"/>
-              <a:t>29.01.2020</a:t>
+              <a:t>05.02.2020</a:t>
             </a:fld>
             <a:endParaRPr lang="nb-NO"/>
           </a:p>
@@ -1556,7 +1541,7 @@
           <a:p>
             <a:fld id="{35BD86D1-51AC-4BC5-BD9D-BC894CD8CABF}" type="datetimeFigureOut">
               <a:rPr lang="nb-NO" smtClean="0"/>
-              <a:t>29.01.2020</a:t>
+              <a:t>05.02.2020</a:t>
             </a:fld>
             <a:endParaRPr lang="nb-NO"/>
           </a:p>
@@ -1831,7 +1816,7 @@
           <a:p>
             <a:fld id="{35BD86D1-51AC-4BC5-BD9D-BC894CD8CABF}" type="datetimeFigureOut">
               <a:rPr lang="nb-NO" smtClean="0"/>
-              <a:t>29.01.2020</a:t>
+              <a:t>05.02.2020</a:t>
             </a:fld>
             <a:endParaRPr lang="nb-NO"/>
           </a:p>
@@ -2096,7 +2081,7 @@
           <a:p>
             <a:fld id="{35BD86D1-51AC-4BC5-BD9D-BC894CD8CABF}" type="datetimeFigureOut">
               <a:rPr lang="nb-NO" smtClean="0"/>
-              <a:t>29.01.2020</a:t>
+              <a:t>05.02.2020</a:t>
             </a:fld>
             <a:endParaRPr lang="nb-NO"/>
           </a:p>
@@ -2508,7 +2493,7 @@
           <a:p>
             <a:fld id="{35BD86D1-51AC-4BC5-BD9D-BC894CD8CABF}" type="datetimeFigureOut">
               <a:rPr lang="nb-NO" smtClean="0"/>
-              <a:t>29.01.2020</a:t>
+              <a:t>05.02.2020</a:t>
             </a:fld>
             <a:endParaRPr lang="nb-NO"/>
           </a:p>
@@ -2649,7 +2634,7 @@
           <a:p>
             <a:fld id="{35BD86D1-51AC-4BC5-BD9D-BC894CD8CABF}" type="datetimeFigureOut">
               <a:rPr lang="nb-NO" smtClean="0"/>
-              <a:t>29.01.2020</a:t>
+              <a:t>05.02.2020</a:t>
             </a:fld>
             <a:endParaRPr lang="nb-NO"/>
           </a:p>
@@ -2762,7 +2747,7 @@
           <a:p>
             <a:fld id="{35BD86D1-51AC-4BC5-BD9D-BC894CD8CABF}" type="datetimeFigureOut">
               <a:rPr lang="nb-NO" smtClean="0"/>
-              <a:t>29.01.2020</a:t>
+              <a:t>05.02.2020</a:t>
             </a:fld>
             <a:endParaRPr lang="nb-NO"/>
           </a:p>
@@ -3073,7 +3058,7 @@
           <a:p>
             <a:fld id="{35BD86D1-51AC-4BC5-BD9D-BC894CD8CABF}" type="datetimeFigureOut">
               <a:rPr lang="nb-NO" smtClean="0"/>
-              <a:t>29.01.2020</a:t>
+              <a:t>05.02.2020</a:t>
             </a:fld>
             <a:endParaRPr lang="nb-NO"/>
           </a:p>
@@ -3361,7 +3346,7 @@
           <a:p>
             <a:fld id="{35BD86D1-51AC-4BC5-BD9D-BC894CD8CABF}" type="datetimeFigureOut">
               <a:rPr lang="nb-NO" smtClean="0"/>
-              <a:t>29.01.2020</a:t>
+              <a:t>05.02.2020</a:t>
             </a:fld>
             <a:endParaRPr lang="nb-NO"/>
           </a:p>
@@ -3602,7 +3587,7 @@
           <a:p>
             <a:fld id="{35BD86D1-51AC-4BC5-BD9D-BC894CD8CABF}" type="datetimeFigureOut">
               <a:rPr lang="nb-NO" smtClean="0"/>
-              <a:t>29.01.2020</a:t>
+              <a:t>05.02.2020</a:t>
             </a:fld>
             <a:endParaRPr lang="nb-NO"/>
           </a:p>
@@ -6942,7 +6927,34 @@
                   </a:extLst>
                 </a:hlinkClick>
               </a:rPr>
-              <a:t>Eksempel 8. Eksamen 2010 Fly</a:t>
+              <a:t>Eksempel 8. </a:t>
+            </a:r>
+            <a:r>
+              <a:rPr lang="nb-NO" dirty="0">
+                <a:hlinkClick r:id="rId2">
+                  <a:extLst>
+                    <a:ext uri="{A12FA001-AC4F-418D-AE19-62706E023703}">
+                      <ahyp:hlinkClr xmlns:ahyp="http://schemas.microsoft.com/office/drawing/2018/hyperlinkcolor" val="tx"/>
+                    </a:ext>
+                  </a:extLst>
+                </a:hlinkClick>
+              </a:rPr>
+              <a:t>Eksamen</a:t>
+            </a:r>
+            <a:r>
+              <a:rPr lang="nb-NO" dirty="0">
+                <a:solidFill>
+                  <a:srgbClr val="FF0000"/>
+                </a:solidFill>
+                <a:hlinkClick r:id="rId2">
+                  <a:extLst>
+                    <a:ext uri="{A12FA001-AC4F-418D-AE19-62706E023703}">
+                      <ahyp:hlinkClr xmlns:ahyp="http://schemas.microsoft.com/office/drawing/2018/hyperlinkcolor" val="tx"/>
+                    </a:ext>
+                  </a:extLst>
+                </a:hlinkClick>
+              </a:rPr>
+              <a:t> 2010 Fly</a:t>
             </a:r>
             <a:endParaRPr lang="nb-NO" dirty="0">
               <a:solidFill>
@@ -13511,18 +13523,18 @@
 </file>
 
 <file path=customXml/item1.xml><?xml version="1.0" encoding="utf-8"?>
+<p:properties xmlns:p="http://schemas.microsoft.com/office/2006/metadata/properties" xmlns:xsi="http://www.w3.org/2001/XMLSchema-instance" xmlns:pc="http://schemas.microsoft.com/office/infopath/2007/PartnerControls">
+  <documentManagement/>
+</p:properties>
+</file>
+
+<file path=customXml/item2.xml><?xml version="1.0" encoding="utf-8"?>
 <?mso-contentType ?>
 <FormTemplates xmlns="http://schemas.microsoft.com/sharepoint/v3/contenttype/forms">
   <Display>DocumentLibraryForm</Display>
   <Edit>DocumentLibraryForm</Edit>
   <New>DocumentLibraryForm</New>
 </FormTemplates>
-</file>
-
-<file path=customXml/item2.xml><?xml version="1.0" encoding="utf-8"?>
-<p:properties xmlns:p="http://schemas.microsoft.com/office/2006/metadata/properties" xmlns:xsi="http://www.w3.org/2001/XMLSchema-instance" xmlns:pc="http://schemas.microsoft.com/office/infopath/2007/PartnerControls">
-  <documentManagement/>
-</p:properties>
 </file>
 
 <file path=customXml/item3.xml><?xml version="1.0" encoding="utf-8"?>
@@ -13696,18 +13708,18 @@
 </file>
 
 <file path=customXml/itemProps1.xml><?xml version="1.0" encoding="utf-8"?>
-<ds:datastoreItem xmlns:ds="http://schemas.openxmlformats.org/officeDocument/2006/customXml" ds:itemID="{2A9522E5-0C58-46F4-9625-D3BB5CE642A4}">
+<ds:datastoreItem xmlns:ds="http://schemas.openxmlformats.org/officeDocument/2006/customXml" ds:itemID="{AC1B37F0-027E-44D2-BE3E-5562385FFADC}">
   <ds:schemaRefs>
-    <ds:schemaRef ds:uri="http://schemas.microsoft.com/sharepoint/v3/contenttype/forms"/>
+    <ds:schemaRef ds:uri="http://schemas.microsoft.com/office/2006/metadata/properties"/>
+    <ds:schemaRef ds:uri="http://schemas.microsoft.com/office/infopath/2007/PartnerControls"/>
   </ds:schemaRefs>
 </ds:datastoreItem>
 </file>
 
 <file path=customXml/itemProps2.xml><?xml version="1.0" encoding="utf-8"?>
-<ds:datastoreItem xmlns:ds="http://schemas.openxmlformats.org/officeDocument/2006/customXml" ds:itemID="{AC1B37F0-027E-44D2-BE3E-5562385FFADC}">
+<ds:datastoreItem xmlns:ds="http://schemas.openxmlformats.org/officeDocument/2006/customXml" ds:itemID="{2A9522E5-0C58-46F4-9625-D3BB5CE642A4}">
   <ds:schemaRefs>
-    <ds:schemaRef ds:uri="http://schemas.microsoft.com/office/2006/metadata/properties"/>
-    <ds:schemaRef ds:uri="http://schemas.microsoft.com/office/infopath/2007/PartnerControls"/>
+    <ds:schemaRef ds:uri="http://schemas.microsoft.com/sharepoint/v3/contenttype/forms"/>
   </ds:schemaRefs>
 </ds:datastoreItem>
 </file>
